--- a/Java_l1.pptx
+++ b/Java_l1.pptx
@@ -203,10 +203,9 @@
           </a:lstStyle>
           <a:p>
             <a:r>
-              <a:rPr lang="ru-RU" smtClean="0"/>
+              <a:rPr lang="ru-RU"/>
               <a:t>Образец заголовка</a:t>
             </a:r>
-            <a:endParaRPr lang="ru-RU"/>
           </a:p>
         </p:txBody>
       </p:sp>
@@ -268,10 +267,9 @@
           </a:lstStyle>
           <a:p>
             <a:r>
-              <a:rPr lang="ru-RU" smtClean="0"/>
+              <a:rPr lang="ru-RU"/>
               <a:t>Образец подзаголовка</a:t>
             </a:r>
-            <a:endParaRPr lang="ru-RU"/>
           </a:p>
         </p:txBody>
       </p:sp>
@@ -292,7 +290,7 @@
           <a:p>
             <a:fld id="{1EF03FB3-452A-430E-97BD-45890B2B5EA9}" type="datetimeFigureOut">
               <a:rPr lang="ru-RU" smtClean="0"/>
-              <a:t>06.02.2023</a:t>
+              <a:t>13.02.2024</a:t>
             </a:fld>
             <a:endParaRPr lang="ru-RU"/>
           </a:p>
@@ -386,10 +384,9 @@
           <a:lstStyle/>
           <a:p>
             <a:r>
-              <a:rPr lang="ru-RU" smtClean="0"/>
+              <a:rPr lang="ru-RU"/>
               <a:t>Образец заголовка</a:t>
             </a:r>
-            <a:endParaRPr lang="ru-RU"/>
           </a:p>
         </p:txBody>
       </p:sp>
@@ -410,38 +407,37 @@
           <a:p>
             <a:pPr lvl="0"/>
             <a:r>
-              <a:rPr lang="ru-RU" smtClean="0"/>
+              <a:rPr lang="ru-RU"/>
               <a:t>Образец текста</a:t>
             </a:r>
           </a:p>
           <a:p>
             <a:pPr lvl="1"/>
             <a:r>
-              <a:rPr lang="ru-RU" smtClean="0"/>
+              <a:rPr lang="ru-RU"/>
               <a:t>Второй уровень</a:t>
             </a:r>
           </a:p>
           <a:p>
             <a:pPr lvl="2"/>
             <a:r>
-              <a:rPr lang="ru-RU" smtClean="0"/>
+              <a:rPr lang="ru-RU"/>
               <a:t>Третий уровень</a:t>
             </a:r>
           </a:p>
           <a:p>
             <a:pPr lvl="3"/>
             <a:r>
-              <a:rPr lang="ru-RU" smtClean="0"/>
+              <a:rPr lang="ru-RU"/>
               <a:t>Четвертый уровень</a:t>
             </a:r>
           </a:p>
           <a:p>
             <a:pPr lvl="4"/>
             <a:r>
-              <a:rPr lang="ru-RU" smtClean="0"/>
+              <a:rPr lang="ru-RU"/>
               <a:t>Пятый уровень</a:t>
             </a:r>
-            <a:endParaRPr lang="ru-RU"/>
           </a:p>
         </p:txBody>
       </p:sp>
@@ -462,7 +458,7 @@
           <a:p>
             <a:fld id="{1EF03FB3-452A-430E-97BD-45890B2B5EA9}" type="datetimeFigureOut">
               <a:rPr lang="ru-RU" smtClean="0"/>
-              <a:t>06.02.2023</a:t>
+              <a:t>13.02.2024</a:t>
             </a:fld>
             <a:endParaRPr lang="ru-RU"/>
           </a:p>
@@ -561,10 +557,9 @@
           <a:lstStyle/>
           <a:p>
             <a:r>
-              <a:rPr lang="ru-RU" smtClean="0"/>
+              <a:rPr lang="ru-RU"/>
               <a:t>Образец заголовка</a:t>
             </a:r>
-            <a:endParaRPr lang="ru-RU"/>
           </a:p>
         </p:txBody>
       </p:sp>
@@ -590,38 +585,37 @@
           <a:p>
             <a:pPr lvl="0"/>
             <a:r>
-              <a:rPr lang="ru-RU" smtClean="0"/>
+              <a:rPr lang="ru-RU"/>
               <a:t>Образец текста</a:t>
             </a:r>
           </a:p>
           <a:p>
             <a:pPr lvl="1"/>
             <a:r>
-              <a:rPr lang="ru-RU" smtClean="0"/>
+              <a:rPr lang="ru-RU"/>
               <a:t>Второй уровень</a:t>
             </a:r>
           </a:p>
           <a:p>
             <a:pPr lvl="2"/>
             <a:r>
-              <a:rPr lang="ru-RU" smtClean="0"/>
+              <a:rPr lang="ru-RU"/>
               <a:t>Третий уровень</a:t>
             </a:r>
           </a:p>
           <a:p>
             <a:pPr lvl="3"/>
             <a:r>
-              <a:rPr lang="ru-RU" smtClean="0"/>
+              <a:rPr lang="ru-RU"/>
               <a:t>Четвертый уровень</a:t>
             </a:r>
           </a:p>
           <a:p>
             <a:pPr lvl="4"/>
             <a:r>
-              <a:rPr lang="ru-RU" smtClean="0"/>
+              <a:rPr lang="ru-RU"/>
               <a:t>Пятый уровень</a:t>
             </a:r>
-            <a:endParaRPr lang="ru-RU"/>
           </a:p>
         </p:txBody>
       </p:sp>
@@ -642,7 +636,7 @@
           <a:p>
             <a:fld id="{1EF03FB3-452A-430E-97BD-45890B2B5EA9}" type="datetimeFigureOut">
               <a:rPr lang="ru-RU" smtClean="0"/>
-              <a:t>06.02.2023</a:t>
+              <a:t>13.02.2024</a:t>
             </a:fld>
             <a:endParaRPr lang="ru-RU"/>
           </a:p>
@@ -736,10 +730,9 @@
           <a:lstStyle/>
           <a:p>
             <a:r>
-              <a:rPr lang="ru-RU" smtClean="0"/>
+              <a:rPr lang="ru-RU"/>
               <a:t>Образец заголовка</a:t>
             </a:r>
-            <a:endParaRPr lang="ru-RU"/>
           </a:p>
         </p:txBody>
       </p:sp>
@@ -760,38 +753,37 @@
           <a:p>
             <a:pPr lvl="0"/>
             <a:r>
-              <a:rPr lang="ru-RU" smtClean="0"/>
+              <a:rPr lang="ru-RU"/>
               <a:t>Образец текста</a:t>
             </a:r>
           </a:p>
           <a:p>
             <a:pPr lvl="1"/>
             <a:r>
-              <a:rPr lang="ru-RU" smtClean="0"/>
+              <a:rPr lang="ru-RU"/>
               <a:t>Второй уровень</a:t>
             </a:r>
           </a:p>
           <a:p>
             <a:pPr lvl="2"/>
             <a:r>
-              <a:rPr lang="ru-RU" smtClean="0"/>
+              <a:rPr lang="ru-RU"/>
               <a:t>Третий уровень</a:t>
             </a:r>
           </a:p>
           <a:p>
             <a:pPr lvl="3"/>
             <a:r>
-              <a:rPr lang="ru-RU" smtClean="0"/>
+              <a:rPr lang="ru-RU"/>
               <a:t>Четвертый уровень</a:t>
             </a:r>
           </a:p>
           <a:p>
             <a:pPr lvl="4"/>
             <a:r>
-              <a:rPr lang="ru-RU" smtClean="0"/>
+              <a:rPr lang="ru-RU"/>
               <a:t>Пятый уровень</a:t>
             </a:r>
-            <a:endParaRPr lang="ru-RU"/>
           </a:p>
         </p:txBody>
       </p:sp>
@@ -812,7 +804,7 @@
           <a:p>
             <a:fld id="{1EF03FB3-452A-430E-97BD-45890B2B5EA9}" type="datetimeFigureOut">
               <a:rPr lang="ru-RU" smtClean="0"/>
-              <a:t>06.02.2023</a:t>
+              <a:t>13.02.2024</a:t>
             </a:fld>
             <a:endParaRPr lang="ru-RU"/>
           </a:p>
@@ -915,10 +907,9 @@
           </a:lstStyle>
           <a:p>
             <a:r>
-              <a:rPr lang="ru-RU" smtClean="0"/>
+              <a:rPr lang="ru-RU"/>
               <a:t>Образец заголовка</a:t>
             </a:r>
-            <a:endParaRPr lang="ru-RU"/>
           </a:p>
         </p:txBody>
       </p:sp>
@@ -1035,7 +1026,7 @@
           <a:p>
             <a:pPr lvl="0"/>
             <a:r>
-              <a:rPr lang="ru-RU" smtClean="0"/>
+              <a:rPr lang="ru-RU"/>
               <a:t>Образец текста</a:t>
             </a:r>
           </a:p>
@@ -1058,7 +1049,7 @@
           <a:p>
             <a:fld id="{1EF03FB3-452A-430E-97BD-45890B2B5EA9}" type="datetimeFigureOut">
               <a:rPr lang="ru-RU" smtClean="0"/>
-              <a:t>06.02.2023</a:t>
+              <a:t>13.02.2024</a:t>
             </a:fld>
             <a:endParaRPr lang="ru-RU"/>
           </a:p>
@@ -1152,10 +1143,9 @@
           <a:lstStyle/>
           <a:p>
             <a:r>
-              <a:rPr lang="ru-RU" smtClean="0"/>
+              <a:rPr lang="ru-RU"/>
               <a:t>Образец заголовка</a:t>
             </a:r>
-            <a:endParaRPr lang="ru-RU"/>
           </a:p>
         </p:txBody>
       </p:sp>
@@ -1181,38 +1171,37 @@
           <a:p>
             <a:pPr lvl="0"/>
             <a:r>
-              <a:rPr lang="ru-RU" smtClean="0"/>
+              <a:rPr lang="ru-RU"/>
               <a:t>Образец текста</a:t>
             </a:r>
           </a:p>
           <a:p>
             <a:pPr lvl="1"/>
             <a:r>
-              <a:rPr lang="ru-RU" smtClean="0"/>
+              <a:rPr lang="ru-RU"/>
               <a:t>Второй уровень</a:t>
             </a:r>
           </a:p>
           <a:p>
             <a:pPr lvl="2"/>
             <a:r>
-              <a:rPr lang="ru-RU" smtClean="0"/>
+              <a:rPr lang="ru-RU"/>
               <a:t>Третий уровень</a:t>
             </a:r>
           </a:p>
           <a:p>
             <a:pPr lvl="3"/>
             <a:r>
-              <a:rPr lang="ru-RU" smtClean="0"/>
+              <a:rPr lang="ru-RU"/>
               <a:t>Четвертый уровень</a:t>
             </a:r>
           </a:p>
           <a:p>
             <a:pPr lvl="4"/>
             <a:r>
-              <a:rPr lang="ru-RU" smtClean="0"/>
+              <a:rPr lang="ru-RU"/>
               <a:t>Пятый уровень</a:t>
             </a:r>
-            <a:endParaRPr lang="ru-RU"/>
           </a:p>
         </p:txBody>
       </p:sp>
@@ -1238,38 +1227,37 @@
           <a:p>
             <a:pPr lvl="0"/>
             <a:r>
-              <a:rPr lang="ru-RU" smtClean="0"/>
+              <a:rPr lang="ru-RU"/>
               <a:t>Образец текста</a:t>
             </a:r>
           </a:p>
           <a:p>
             <a:pPr lvl="1"/>
             <a:r>
-              <a:rPr lang="ru-RU" smtClean="0"/>
+              <a:rPr lang="ru-RU"/>
               <a:t>Второй уровень</a:t>
             </a:r>
           </a:p>
           <a:p>
             <a:pPr lvl="2"/>
             <a:r>
-              <a:rPr lang="ru-RU" smtClean="0"/>
+              <a:rPr lang="ru-RU"/>
               <a:t>Третий уровень</a:t>
             </a:r>
           </a:p>
           <a:p>
             <a:pPr lvl="3"/>
             <a:r>
-              <a:rPr lang="ru-RU" smtClean="0"/>
+              <a:rPr lang="ru-RU"/>
               <a:t>Четвертый уровень</a:t>
             </a:r>
           </a:p>
           <a:p>
             <a:pPr lvl="4"/>
             <a:r>
-              <a:rPr lang="ru-RU" smtClean="0"/>
+              <a:rPr lang="ru-RU"/>
               <a:t>Пятый уровень</a:t>
             </a:r>
-            <a:endParaRPr lang="ru-RU"/>
           </a:p>
         </p:txBody>
       </p:sp>
@@ -1290,7 +1278,7 @@
           <a:p>
             <a:fld id="{1EF03FB3-452A-430E-97BD-45890B2B5EA9}" type="datetimeFigureOut">
               <a:rPr lang="ru-RU" smtClean="0"/>
-              <a:t>06.02.2023</a:t>
+              <a:t>13.02.2024</a:t>
             </a:fld>
             <a:endParaRPr lang="ru-RU"/>
           </a:p>
@@ -1389,10 +1377,9 @@
           <a:lstStyle/>
           <a:p>
             <a:r>
-              <a:rPr lang="ru-RU" smtClean="0"/>
+              <a:rPr lang="ru-RU"/>
               <a:t>Образец заголовка</a:t>
             </a:r>
-            <a:endParaRPr lang="ru-RU"/>
           </a:p>
         </p:txBody>
       </p:sp>
@@ -1455,7 +1442,7 @@
           <a:p>
             <a:pPr lvl="0"/>
             <a:r>
-              <a:rPr lang="ru-RU" smtClean="0"/>
+              <a:rPr lang="ru-RU"/>
               <a:t>Образец текста</a:t>
             </a:r>
           </a:p>
@@ -1483,38 +1470,37 @@
           <a:p>
             <a:pPr lvl="0"/>
             <a:r>
-              <a:rPr lang="ru-RU" smtClean="0"/>
+              <a:rPr lang="ru-RU"/>
               <a:t>Образец текста</a:t>
             </a:r>
           </a:p>
           <a:p>
             <a:pPr lvl="1"/>
             <a:r>
-              <a:rPr lang="ru-RU" smtClean="0"/>
+              <a:rPr lang="ru-RU"/>
               <a:t>Второй уровень</a:t>
             </a:r>
           </a:p>
           <a:p>
             <a:pPr lvl="2"/>
             <a:r>
-              <a:rPr lang="ru-RU" smtClean="0"/>
+              <a:rPr lang="ru-RU"/>
               <a:t>Третий уровень</a:t>
             </a:r>
           </a:p>
           <a:p>
             <a:pPr lvl="3"/>
             <a:r>
-              <a:rPr lang="ru-RU" smtClean="0"/>
+              <a:rPr lang="ru-RU"/>
               <a:t>Четвертый уровень</a:t>
             </a:r>
           </a:p>
           <a:p>
             <a:pPr lvl="4"/>
             <a:r>
-              <a:rPr lang="ru-RU" smtClean="0"/>
+              <a:rPr lang="ru-RU"/>
               <a:t>Пятый уровень</a:t>
             </a:r>
-            <a:endParaRPr lang="ru-RU"/>
           </a:p>
         </p:txBody>
       </p:sp>
@@ -1577,7 +1563,7 @@
           <a:p>
             <a:pPr lvl="0"/>
             <a:r>
-              <a:rPr lang="ru-RU" smtClean="0"/>
+              <a:rPr lang="ru-RU"/>
               <a:t>Образец текста</a:t>
             </a:r>
           </a:p>
@@ -1605,38 +1591,37 @@
           <a:p>
             <a:pPr lvl="0"/>
             <a:r>
-              <a:rPr lang="ru-RU" smtClean="0"/>
+              <a:rPr lang="ru-RU"/>
               <a:t>Образец текста</a:t>
             </a:r>
           </a:p>
           <a:p>
             <a:pPr lvl="1"/>
             <a:r>
-              <a:rPr lang="ru-RU" smtClean="0"/>
+              <a:rPr lang="ru-RU"/>
               <a:t>Второй уровень</a:t>
             </a:r>
           </a:p>
           <a:p>
             <a:pPr lvl="2"/>
             <a:r>
-              <a:rPr lang="ru-RU" smtClean="0"/>
+              <a:rPr lang="ru-RU"/>
               <a:t>Третий уровень</a:t>
             </a:r>
           </a:p>
           <a:p>
             <a:pPr lvl="3"/>
             <a:r>
-              <a:rPr lang="ru-RU" smtClean="0"/>
+              <a:rPr lang="ru-RU"/>
               <a:t>Четвертый уровень</a:t>
             </a:r>
           </a:p>
           <a:p>
             <a:pPr lvl="4"/>
             <a:r>
-              <a:rPr lang="ru-RU" smtClean="0"/>
+              <a:rPr lang="ru-RU"/>
               <a:t>Пятый уровень</a:t>
             </a:r>
-            <a:endParaRPr lang="ru-RU"/>
           </a:p>
         </p:txBody>
       </p:sp>
@@ -1657,7 +1642,7 @@
           <a:p>
             <a:fld id="{1EF03FB3-452A-430E-97BD-45890B2B5EA9}" type="datetimeFigureOut">
               <a:rPr lang="ru-RU" smtClean="0"/>
-              <a:t>06.02.2023</a:t>
+              <a:t>13.02.2024</a:t>
             </a:fld>
             <a:endParaRPr lang="ru-RU"/>
           </a:p>
@@ -1751,10 +1736,9 @@
           <a:lstStyle/>
           <a:p>
             <a:r>
-              <a:rPr lang="ru-RU" smtClean="0"/>
+              <a:rPr lang="ru-RU"/>
               <a:t>Образец заголовка</a:t>
             </a:r>
-            <a:endParaRPr lang="ru-RU"/>
           </a:p>
         </p:txBody>
       </p:sp>
@@ -1775,7 +1759,7 @@
           <a:p>
             <a:fld id="{1EF03FB3-452A-430E-97BD-45890B2B5EA9}" type="datetimeFigureOut">
               <a:rPr lang="ru-RU" smtClean="0"/>
-              <a:t>06.02.2023</a:t>
+              <a:t>13.02.2024</a:t>
             </a:fld>
             <a:endParaRPr lang="ru-RU"/>
           </a:p>
@@ -1870,7 +1854,7 @@
           <a:p>
             <a:fld id="{1EF03FB3-452A-430E-97BD-45890B2B5EA9}" type="datetimeFigureOut">
               <a:rPr lang="ru-RU" smtClean="0"/>
-              <a:t>06.02.2023</a:t>
+              <a:t>13.02.2024</a:t>
             </a:fld>
             <a:endParaRPr lang="ru-RU"/>
           </a:p>
@@ -1973,10 +1957,9 @@
           </a:lstStyle>
           <a:p>
             <a:r>
-              <a:rPr lang="ru-RU" smtClean="0"/>
+              <a:rPr lang="ru-RU"/>
               <a:t>Образец заголовка</a:t>
             </a:r>
-            <a:endParaRPr lang="ru-RU"/>
           </a:p>
         </p:txBody>
       </p:sp>
@@ -2030,38 +2013,37 @@
           <a:p>
             <a:pPr lvl="0"/>
             <a:r>
-              <a:rPr lang="ru-RU" smtClean="0"/>
+              <a:rPr lang="ru-RU"/>
               <a:t>Образец текста</a:t>
             </a:r>
           </a:p>
           <a:p>
             <a:pPr lvl="1"/>
             <a:r>
-              <a:rPr lang="ru-RU" smtClean="0"/>
+              <a:rPr lang="ru-RU"/>
               <a:t>Второй уровень</a:t>
             </a:r>
           </a:p>
           <a:p>
             <a:pPr lvl="2"/>
             <a:r>
-              <a:rPr lang="ru-RU" smtClean="0"/>
+              <a:rPr lang="ru-RU"/>
               <a:t>Третий уровень</a:t>
             </a:r>
           </a:p>
           <a:p>
             <a:pPr lvl="3"/>
             <a:r>
-              <a:rPr lang="ru-RU" smtClean="0"/>
+              <a:rPr lang="ru-RU"/>
               <a:t>Четвертый уровень</a:t>
             </a:r>
           </a:p>
           <a:p>
             <a:pPr lvl="4"/>
             <a:r>
-              <a:rPr lang="ru-RU" smtClean="0"/>
+              <a:rPr lang="ru-RU"/>
               <a:t>Пятый уровень</a:t>
             </a:r>
-            <a:endParaRPr lang="ru-RU"/>
           </a:p>
         </p:txBody>
       </p:sp>
@@ -2124,7 +2106,7 @@
           <a:p>
             <a:pPr lvl="0"/>
             <a:r>
-              <a:rPr lang="ru-RU" smtClean="0"/>
+              <a:rPr lang="ru-RU"/>
               <a:t>Образец текста</a:t>
             </a:r>
           </a:p>
@@ -2147,7 +2129,7 @@
           <a:p>
             <a:fld id="{1EF03FB3-452A-430E-97BD-45890B2B5EA9}" type="datetimeFigureOut">
               <a:rPr lang="ru-RU" smtClean="0"/>
-              <a:t>06.02.2023</a:t>
+              <a:t>13.02.2024</a:t>
             </a:fld>
             <a:endParaRPr lang="ru-RU"/>
           </a:p>
@@ -2250,10 +2232,9 @@
           </a:lstStyle>
           <a:p>
             <a:r>
-              <a:rPr lang="ru-RU" smtClean="0"/>
+              <a:rPr lang="ru-RU"/>
               <a:t>Образец заголовка</a:t>
             </a:r>
-            <a:endParaRPr lang="ru-RU"/>
           </a:p>
         </p:txBody>
       </p:sp>
@@ -2377,7 +2358,7 @@
           <a:p>
             <a:pPr lvl="0"/>
             <a:r>
-              <a:rPr lang="ru-RU" smtClean="0"/>
+              <a:rPr lang="ru-RU"/>
               <a:t>Образец текста</a:t>
             </a:r>
           </a:p>
@@ -2400,7 +2381,7 @@
           <a:p>
             <a:fld id="{1EF03FB3-452A-430E-97BD-45890B2B5EA9}" type="datetimeFigureOut">
               <a:rPr lang="ru-RU" smtClean="0"/>
-              <a:t>06.02.2023</a:t>
+              <a:t>13.02.2024</a:t>
             </a:fld>
             <a:endParaRPr lang="ru-RU"/>
           </a:p>
@@ -2525,10 +2506,9 @@
           <a:lstStyle/>
           <a:p>
             <a:r>
-              <a:rPr lang="ru-RU" smtClean="0"/>
+              <a:rPr lang="ru-RU"/>
               <a:t>Образец заголовка</a:t>
             </a:r>
-            <a:endParaRPr lang="ru-RU"/>
           </a:p>
         </p:txBody>
       </p:sp>
@@ -2559,38 +2539,37 @@
           <a:p>
             <a:pPr lvl="0"/>
             <a:r>
-              <a:rPr lang="ru-RU" smtClean="0"/>
+              <a:rPr lang="ru-RU"/>
               <a:t>Образец текста</a:t>
             </a:r>
           </a:p>
           <a:p>
             <a:pPr lvl="1"/>
             <a:r>
-              <a:rPr lang="ru-RU" smtClean="0"/>
+              <a:rPr lang="ru-RU"/>
               <a:t>Второй уровень</a:t>
             </a:r>
           </a:p>
           <a:p>
             <a:pPr lvl="2"/>
             <a:r>
-              <a:rPr lang="ru-RU" smtClean="0"/>
+              <a:rPr lang="ru-RU"/>
               <a:t>Третий уровень</a:t>
             </a:r>
           </a:p>
           <a:p>
             <a:pPr lvl="3"/>
             <a:r>
-              <a:rPr lang="ru-RU" smtClean="0"/>
+              <a:rPr lang="ru-RU"/>
               <a:t>Четвертый уровень</a:t>
             </a:r>
           </a:p>
           <a:p>
             <a:pPr lvl="4"/>
             <a:r>
-              <a:rPr lang="ru-RU" smtClean="0"/>
+              <a:rPr lang="ru-RU"/>
               <a:t>Пятый уровень</a:t>
             </a:r>
-            <a:endParaRPr lang="ru-RU"/>
           </a:p>
         </p:txBody>
       </p:sp>
@@ -2629,7 +2608,7 @@
           <a:p>
             <a:fld id="{1EF03FB3-452A-430E-97BD-45890B2B5EA9}" type="datetimeFigureOut">
               <a:rPr lang="ru-RU" smtClean="0"/>
-              <a:t>06.02.2023</a:t>
+              <a:t>13.02.2024</a:t>
             </a:fld>
             <a:endParaRPr lang="ru-RU"/>
           </a:p>
@@ -3057,18 +3036,13 @@
           <a:lstStyle/>
           <a:p>
             <a:r>
-              <a:rPr lang="ru-RU" sz="8800" dirty="0" smtClean="0">
+              <a:rPr lang="ru-RU" sz="8800" dirty="0">
                 <a:solidFill>
                   <a:srgbClr val="003399"/>
                 </a:solidFill>
               </a:rPr>
               <a:t>Технологии программирования</a:t>
             </a:r>
-            <a:endParaRPr lang="ru-RU" sz="8800" dirty="0">
-              <a:solidFill>
-                <a:srgbClr val="003399"/>
-              </a:solidFill>
-            </a:endParaRPr>
           </a:p>
         </p:txBody>
       </p:sp>
@@ -3199,28 +3173,23 @@
               <a:lstStyle/>
               <a:p>
                 <a:r>
-                  <a:rPr lang="ru-RU" dirty="0" smtClean="0"/>
-                  <a:t>Что значит</a:t>
+                  <a:rPr lang="ru-RU" dirty="0"/>
+                  <a:t>Что значит </a:t>
                 </a:r>
                 <a:r>
-                  <a:rPr lang="ru-RU" dirty="0" smtClean="0"/>
-                  <a:t> </a:t>
-                </a:r>
-                <a:r>
-                  <a:rPr lang="ru-RU" dirty="0" err="1" smtClean="0"/>
+                  <a:rPr lang="ru-RU" dirty="0" err="1"/>
                   <a:t>логировать</a:t>
                 </a:r>
                 <a:r>
-                  <a:rPr lang="ru-RU" dirty="0" smtClean="0"/>
+                  <a:rPr lang="ru-RU" dirty="0"/>
                   <a:t> </a:t>
                 </a:r>
               </a:p>
               <a:p>
                 <a:r>
-                  <a:rPr lang="ru-RU" dirty="0" smtClean="0"/>
+                  <a:rPr lang="ru-RU" dirty="0"/>
                   <a:t>        в консоль плохо?!</a:t>
                 </a:r>
-                <a:endParaRPr lang="ru-RU" dirty="0"/>
               </a:p>
             </p:txBody>
           </p:sp>
@@ -3236,13 +3205,6 @@
   <p:clrMapOvr>
     <a:masterClrMapping/>
   </p:clrMapOvr>
-  <p:timing>
-    <p:tnLst>
-      <p:par>
-        <p:cTn id="1" dur="indefinite" restart="never" nodeType="tmRoot"/>
-      </p:par>
-    </p:tnLst>
-  </p:timing>
 </p:sld>
 </file>
 
@@ -3286,7 +3248,7 @@
           <a:lstStyle/>
           <a:p>
             <a:r>
-              <a:rPr lang="ru-RU" sz="3200" dirty="0" smtClean="0">
+              <a:rPr lang="ru-RU" sz="3200" dirty="0">
                 <a:solidFill>
                   <a:srgbClr val="003399"/>
                 </a:solidFill>
@@ -3294,12 +3256,6 @@
               </a:rPr>
               <a:t>С++</a:t>
             </a:r>
-            <a:endParaRPr lang="ru-RU" sz="3200" dirty="0">
-              <a:solidFill>
-                <a:srgbClr val="003399"/>
-              </a:solidFill>
-              <a:latin typeface="+mj-lt"/>
-            </a:endParaRPr>
           </a:p>
         </p:txBody>
       </p:sp>
@@ -3438,18 +3394,13 @@
                   <a:t>@#%* </a:t>
                 </a:r>
                 <a:r>
-                  <a:rPr lang="ru-RU" dirty="0" smtClean="0"/>
-                  <a:t>на разных</a:t>
+                  <a:rPr lang="ru-RU" dirty="0"/>
+                  <a:t>на разных </a:t>
                 </a:r>
-                <a:r>
-                  <a:rPr lang="ru-RU" dirty="0"/>
-                  <a:t> </a:t>
-                </a:r>
-                <a:endParaRPr lang="ru-RU" dirty="0" smtClean="0"/>
               </a:p>
               <a:p>
                 <a:r>
-                  <a:rPr lang="ru-RU" dirty="0" smtClean="0"/>
+                  <a:rPr lang="ru-RU" dirty="0"/>
                   <a:t>   ОС не запускается?!</a:t>
                 </a:r>
               </a:p>
@@ -3467,21 +3418,6 @@
   <p:clrMapOvr>
     <a:masterClrMapping/>
   </p:clrMapOvr>
-  <mc:AlternateContent xmlns:mc="http://schemas.openxmlformats.org/markup-compatibility/2006">
-    <mc:Choice xmlns:p14="http://schemas.microsoft.com/office/powerpoint/2010/main" Requires="p14">
-      <p:transition p14:dur="0"/>
-    </mc:Choice>
-    <mc:Fallback>
-      <p:transition/>
-    </mc:Fallback>
-  </mc:AlternateContent>
-  <p:timing>
-    <p:tnLst>
-      <p:par>
-        <p:cTn id="1" dur="indefinite" restart="never" nodeType="tmRoot"/>
-      </p:par>
-    </p:tnLst>
-  </p:timing>
 </p:sld>
 </file>
 
@@ -3525,7 +3461,7 @@
           <a:lstStyle/>
           <a:p>
             <a:r>
-              <a:rPr lang="en-US" sz="3200" dirty="0" smtClean="0">
+              <a:rPr lang="en-US" sz="3200" dirty="0">
                 <a:solidFill>
                   <a:srgbClr val="003399"/>
                 </a:solidFill>
@@ -3673,29 +3609,28 @@
                   <a:t>Да какого </a:t>
                 </a:r>
                 <a:r>
-                  <a:rPr lang="en-US" dirty="0" smtClean="0"/>
+                  <a:rPr lang="en-US" dirty="0"/>
                   <a:t>@#%*</a:t>
                 </a:r>
                 <a:r>
-                  <a:rPr lang="ru-RU" dirty="0" smtClean="0"/>
+                  <a:rPr lang="ru-RU" dirty="0"/>
                   <a:t> </a:t>
                 </a:r>
                 <a:r>
-                  <a:rPr lang="en-US" dirty="0" smtClean="0"/>
+                  <a:rPr lang="en-US" dirty="0"/>
                   <a:t>…</a:t>
                 </a:r>
                 <a:r>
-                  <a:rPr lang="ru-RU" dirty="0" smtClean="0"/>
+                  <a:rPr lang="ru-RU" dirty="0"/>
                   <a:t> ?!</a:t>
                 </a:r>
-                <a:endParaRPr lang="en-US" dirty="0" smtClean="0"/>
+                <a:endParaRPr lang="en-US" dirty="0"/>
               </a:p>
               <a:p>
                 <a:r>
-                  <a:rPr lang="ru-RU" dirty="0" smtClean="0"/>
+                  <a:rPr lang="ru-RU" dirty="0"/>
                   <a:t>   А не, все хорошо)</a:t>
                 </a:r>
-                <a:endParaRPr lang="ru-RU" dirty="0"/>
               </a:p>
             </p:txBody>
           </p:sp>
@@ -3711,21 +3646,6 @@
   <p:clrMapOvr>
     <a:masterClrMapping/>
   </p:clrMapOvr>
-  <mc:AlternateContent xmlns:mc="http://schemas.openxmlformats.org/markup-compatibility/2006">
-    <mc:Choice xmlns:p14="http://schemas.microsoft.com/office/powerpoint/2010/main" Requires="p14">
-      <p:transition p14:dur="0"/>
-    </mc:Choice>
-    <mc:Fallback>
-      <p:transition/>
-    </mc:Fallback>
-  </mc:AlternateContent>
-  <p:timing>
-    <p:tnLst>
-      <p:par>
-        <p:cTn id="1" dur="indefinite" restart="never" nodeType="tmRoot"/>
-      </p:par>
-    </p:tnLst>
-  </p:timing>
 </p:sld>
 </file>
 
@@ -3800,21 +3720,6 @@
   <p:clrMapOvr>
     <a:masterClrMapping/>
   </p:clrMapOvr>
-  <mc:AlternateContent xmlns:mc="http://schemas.openxmlformats.org/markup-compatibility/2006">
-    <mc:Choice xmlns:p14="http://schemas.microsoft.com/office/powerpoint/2010/main" Requires="p14">
-      <p:transition p14:dur="0"/>
-    </mc:Choice>
-    <mc:Fallback>
-      <p:transition/>
-    </mc:Fallback>
-  </mc:AlternateContent>
-  <p:timing>
-    <p:tnLst>
-      <p:par>
-        <p:cTn id="1" dur="indefinite" restart="never" nodeType="tmRoot"/>
-      </p:par>
-    </p:tnLst>
-  </p:timing>
 </p:sld>
 </file>
 
@@ -5106,21 +5011,6 @@
   <p:clrMapOvr>
     <a:masterClrMapping/>
   </p:clrMapOvr>
-  <mc:AlternateContent xmlns:mc="http://schemas.openxmlformats.org/markup-compatibility/2006">
-    <mc:Choice xmlns:p14="http://schemas.microsoft.com/office/powerpoint/2010/main" Requires="p14">
-      <p:transition p14:dur="0"/>
-    </mc:Choice>
-    <mc:Fallback>
-      <p:transition/>
-    </mc:Fallback>
-  </mc:AlternateContent>
-  <p:timing>
-    <p:tnLst>
-      <p:par>
-        <p:cTn id="1" dur="indefinite" restart="never" nodeType="tmRoot"/>
-      </p:par>
-    </p:tnLst>
-  </p:timing>
 </p:sld>
 </file>
 
@@ -5164,7 +5054,7 @@
           <a:lstStyle/>
           <a:p>
             <a:r>
-              <a:rPr lang="en-US" sz="2400" dirty="0" smtClean="0">
+              <a:rPr lang="en-US" sz="2400" dirty="0">
                 <a:solidFill>
                   <a:srgbClr val="003399"/>
                 </a:solidFill>
@@ -5172,7 +5062,7 @@
               <a:t>JVM – Java virtual machine, </a:t>
             </a:r>
             <a:r>
-              <a:rPr lang="ru-RU" sz="2400" dirty="0" smtClean="0">
+              <a:rPr lang="ru-RU" sz="2400" dirty="0">
                 <a:solidFill>
                   <a:srgbClr val="003399"/>
                 </a:solidFill>
@@ -5180,21 +5070,21 @@
               <a:t>виртуальная машина, в которой запускаются программы, написанные на </a:t>
             </a:r>
             <a:r>
-              <a:rPr lang="en-US" sz="2400" dirty="0" smtClean="0">
+              <a:rPr lang="en-US" sz="2400" dirty="0">
                 <a:solidFill>
                   <a:srgbClr val="003399"/>
                 </a:solidFill>
               </a:rPr>
               <a:t>Java</a:t>
             </a:r>
-            <a:endParaRPr lang="ru-RU" sz="2400" dirty="0" smtClean="0">
+            <a:endParaRPr lang="ru-RU" sz="2400" dirty="0">
               <a:solidFill>
                 <a:srgbClr val="003399"/>
               </a:solidFill>
             </a:endParaRPr>
           </a:p>
           <a:p>
-            <a:endParaRPr lang="en-US" sz="2400" dirty="0" smtClean="0">
+            <a:endParaRPr lang="en-US" sz="2400" dirty="0">
               <a:solidFill>
                 <a:srgbClr val="003399"/>
               </a:solidFill>
@@ -5202,7 +5092,7 @@
           </a:p>
           <a:p>
             <a:r>
-              <a:rPr lang="en-US" sz="2400" dirty="0" smtClean="0">
+              <a:rPr lang="en-US" sz="2400" dirty="0">
                 <a:solidFill>
                   <a:srgbClr val="003399"/>
                 </a:solidFill>
@@ -5210,7 +5100,7 @@
               <a:t>JRE – Java runtime environment</a:t>
             </a:r>
             <a:r>
-              <a:rPr lang="ru-RU" sz="2400" dirty="0" smtClean="0">
+              <a:rPr lang="ru-RU" sz="2400" dirty="0">
                 <a:solidFill>
                   <a:srgbClr val="003399"/>
                 </a:solidFill>
@@ -5218,7 +5108,7 @@
               <a:t>, среда выполнения для </a:t>
             </a:r>
             <a:r>
-              <a:rPr lang="en-US" sz="2400" dirty="0" smtClean="0">
+              <a:rPr lang="en-US" sz="2400" dirty="0">
                 <a:solidFill>
                   <a:srgbClr val="003399"/>
                 </a:solidFill>
@@ -5226,7 +5116,7 @@
               <a:t>Java, </a:t>
             </a:r>
             <a:r>
-              <a:rPr lang="ru-RU" sz="2400" dirty="0" smtClean="0">
+              <a:rPr lang="ru-RU" sz="2400" dirty="0">
                 <a:solidFill>
                   <a:srgbClr val="003399"/>
                 </a:solidFill>
@@ -5234,21 +5124,21 @@
               <a:t>содержит библиотеки классов, загрузчик классов, </a:t>
             </a:r>
             <a:r>
-              <a:rPr lang="en-US" sz="2400" dirty="0" smtClean="0">
+              <a:rPr lang="en-US" sz="2400" dirty="0">
                 <a:solidFill>
                   <a:srgbClr val="003399"/>
                 </a:solidFill>
               </a:rPr>
               <a:t>JVM</a:t>
             </a:r>
-            <a:endParaRPr lang="ru-RU" sz="2400" dirty="0" smtClean="0">
+            <a:endParaRPr lang="ru-RU" sz="2400" dirty="0">
               <a:solidFill>
                 <a:srgbClr val="003399"/>
               </a:solidFill>
             </a:endParaRPr>
           </a:p>
           <a:p>
-            <a:endParaRPr lang="en-US" sz="2400" dirty="0" smtClean="0">
+            <a:endParaRPr lang="en-US" sz="2400" dirty="0">
               <a:solidFill>
                 <a:srgbClr val="003399"/>
               </a:solidFill>
@@ -5256,7 +5146,7 @@
           </a:p>
           <a:p>
             <a:r>
-              <a:rPr lang="en-US" sz="2400" dirty="0" smtClean="0">
+              <a:rPr lang="en-US" sz="2400" dirty="0">
                 <a:solidFill>
                   <a:srgbClr val="003399"/>
                 </a:solidFill>
@@ -5264,7 +5154,7 @@
               <a:t>JDK – Java development kit, </a:t>
             </a:r>
             <a:r>
-              <a:rPr lang="ru-RU" sz="2400" dirty="0" smtClean="0">
+              <a:rPr lang="ru-RU" sz="2400" dirty="0">
                 <a:solidFill>
                   <a:srgbClr val="003399"/>
                 </a:solidFill>
@@ -5272,7 +5162,7 @@
               <a:t>средства, позволяющие разрабатывать на </a:t>
             </a:r>
             <a:r>
-              <a:rPr lang="en-US" sz="2400" dirty="0" smtClean="0">
+              <a:rPr lang="en-US" sz="2400" dirty="0">
                 <a:solidFill>
                   <a:srgbClr val="003399"/>
                 </a:solidFill>
@@ -5280,7 +5170,7 @@
               <a:t>Java. </a:t>
             </a:r>
             <a:r>
-              <a:rPr lang="ru-RU" sz="2400" dirty="0" smtClean="0">
+              <a:rPr lang="ru-RU" sz="2400" dirty="0">
                 <a:solidFill>
                   <a:srgbClr val="003399"/>
                 </a:solidFill>
@@ -5288,7 +5178,7 @@
               <a:t>Основным на текущий момент является </a:t>
             </a:r>
             <a:r>
-              <a:rPr lang="en-US" sz="2400" dirty="0" err="1" smtClean="0">
+              <a:rPr lang="en-US" sz="2400" dirty="0" err="1">
                 <a:solidFill>
                   <a:srgbClr val="003399"/>
                 </a:solidFill>
@@ -5326,7 +5216,7 @@
           <a:lstStyle/>
           <a:p>
             <a:r>
-              <a:rPr lang="en-US" sz="3200" dirty="0" smtClean="0">
+              <a:rPr lang="en-US" sz="3200" dirty="0">
                 <a:solidFill>
                   <a:srgbClr val="003399"/>
                 </a:solidFill>
@@ -5353,21 +5243,6 @@
   <p:clrMapOvr>
     <a:masterClrMapping/>
   </p:clrMapOvr>
-  <mc:AlternateContent xmlns:mc="http://schemas.openxmlformats.org/markup-compatibility/2006">
-    <mc:Choice xmlns:p14="http://schemas.microsoft.com/office/powerpoint/2010/main" Requires="p14">
-      <p:transition p14:dur="0"/>
-    </mc:Choice>
-    <mc:Fallback>
-      <p:transition/>
-    </mc:Fallback>
-  </mc:AlternateContent>
-  <p:timing>
-    <p:tnLst>
-      <p:par>
-        <p:cTn id="1" dur="indefinite" restart="never" nodeType="tmRoot"/>
-      </p:par>
-    </p:tnLst>
-  </p:timing>
 </p:sld>
 </file>
 
@@ -5579,7 +5454,7 @@
               <a:buChar char="‐"/>
             </a:pPr>
             <a:r>
-              <a:rPr lang="en-US" sz="2400" dirty="0" smtClean="0">
+              <a:rPr lang="en-US" sz="2400" dirty="0">
                 <a:solidFill>
                   <a:srgbClr val="003399"/>
                 </a:solidFill>
@@ -5598,15 +5473,7 @@
                   <a:srgbClr val="003399"/>
                 </a:solidFill>
               </a:rPr>
-              <a:t>w</a:t>
-            </a:r>
-            <a:r>
-              <a:rPr lang="en-US" sz="2400" dirty="0" smtClean="0">
-                <a:solidFill>
-                  <a:srgbClr val="003399"/>
-                </a:solidFill>
-              </a:rPr>
-              <a:t>hile, do while, for</a:t>
+              <a:t>while, do while, for</a:t>
             </a:r>
           </a:p>
         </p:txBody>
@@ -5807,15 +5674,7 @@
                   <a:srgbClr val="003399"/>
                 </a:solidFill>
               </a:rPr>
-              <a:t>а</a:t>
-            </a:r>
-            <a:r>
-              <a:rPr lang="ru-RU" sz="2400" dirty="0" smtClean="0">
-                <a:solidFill>
-                  <a:srgbClr val="003399"/>
-                </a:solidFill>
-              </a:rPr>
-              <a:t>рифметические операции</a:t>
+              <a:t>арифметические операции</a:t>
             </a:r>
           </a:p>
           <a:p>
@@ -5829,15 +5688,7 @@
                   <a:srgbClr val="003399"/>
                 </a:solidFill>
               </a:rPr>
-              <a:t>о</a:t>
-            </a:r>
-            <a:r>
-              <a:rPr lang="ru-RU" sz="2400" dirty="0" smtClean="0">
-                <a:solidFill>
-                  <a:srgbClr val="003399"/>
-                </a:solidFill>
-              </a:rPr>
-              <a:t>перации отношения</a:t>
+              <a:t>операции отношения</a:t>
             </a:r>
           </a:p>
           <a:p>
@@ -5851,21 +5702,8 @@
                   <a:srgbClr val="003399"/>
                 </a:solidFill>
               </a:rPr>
-              <a:t>л</a:t>
-            </a:r>
-            <a:r>
-              <a:rPr lang="ru-RU" sz="2400" dirty="0" smtClean="0">
-                <a:solidFill>
-                  <a:srgbClr val="003399"/>
-                </a:solidFill>
-              </a:rPr>
-              <a:t>огические операции</a:t>
-            </a:r>
-            <a:endParaRPr lang="ru-RU" sz="2400" dirty="0" smtClean="0">
-              <a:solidFill>
-                <a:srgbClr val="003399"/>
-              </a:solidFill>
-            </a:endParaRPr>
+              <a:t>логические операции</a:t>
+            </a:r>
           </a:p>
         </p:txBody>
       </p:sp>
@@ -6060,7 +5898,7 @@
               <a:buChar char="-"/>
             </a:pPr>
             <a:r>
-              <a:rPr lang="en-US" sz="2400" dirty="0" smtClean="0">
+              <a:rPr lang="en-US" sz="2400" dirty="0">
                 <a:solidFill>
                   <a:srgbClr val="003399"/>
                 </a:solidFill>
@@ -6068,7 +5906,7 @@
               <a:t>byte, short, </a:t>
             </a:r>
             <a:r>
-              <a:rPr lang="en-US" sz="2400" dirty="0" err="1" smtClean="0">
+              <a:rPr lang="en-US" sz="2400" dirty="0" err="1">
                 <a:solidFill>
                   <a:srgbClr val="003399"/>
                 </a:solidFill>
@@ -6076,7 +5914,7 @@
               <a:t>int</a:t>
             </a:r>
             <a:r>
-              <a:rPr lang="en-US" sz="2400" dirty="0" smtClean="0">
+              <a:rPr lang="en-US" sz="2400" dirty="0">
                 <a:solidFill>
                   <a:srgbClr val="003399"/>
                 </a:solidFill>
@@ -6095,15 +5933,7 @@
                   <a:srgbClr val="003399"/>
                 </a:solidFill>
               </a:rPr>
-              <a:t>f</a:t>
-            </a:r>
-            <a:r>
-              <a:rPr lang="en-US" sz="2400" dirty="0" smtClean="0">
-                <a:solidFill>
-                  <a:srgbClr val="003399"/>
-                </a:solidFill>
-              </a:rPr>
-              <a:t>loat, double</a:t>
+              <a:t>float, double</a:t>
             </a:r>
           </a:p>
           <a:p>
@@ -6117,17 +5947,9 @@
                   <a:srgbClr val="003399"/>
                 </a:solidFill>
               </a:rPr>
-              <a:t>b</a:t>
-            </a:r>
-            <a:r>
-              <a:rPr lang="en-US" sz="2400" dirty="0" err="1" smtClean="0">
-                <a:solidFill>
-                  <a:srgbClr val="003399"/>
-                </a:solidFill>
-              </a:rPr>
-              <a:t>oolean</a:t>
-            </a:r>
-            <a:endParaRPr lang="en-US" sz="2400" dirty="0" smtClean="0">
+              <a:t>boolean</a:t>
+            </a:r>
+            <a:endParaRPr lang="en-US" sz="2400" dirty="0">
               <a:solidFill>
                 <a:srgbClr val="003399"/>
               </a:solidFill>
@@ -6144,15 +5966,7 @@
                   <a:srgbClr val="003399"/>
                 </a:solidFill>
               </a:rPr>
-              <a:t>c</a:t>
-            </a:r>
-            <a:r>
-              <a:rPr lang="en-US" sz="2400" dirty="0" smtClean="0">
-                <a:solidFill>
-                  <a:srgbClr val="003399"/>
-                </a:solidFill>
-              </a:rPr>
-              <a:t>har</a:t>
+              <a:t>char</a:t>
             </a:r>
           </a:p>
           <a:p>
@@ -6161,7 +5975,7 @@
               <a:buChar char="-"/>
             </a:pPr>
             <a:r>
-              <a:rPr lang="en-US" sz="2400" dirty="0" smtClean="0">
+              <a:rPr lang="en-US" sz="2400" dirty="0">
                 <a:solidFill>
                   <a:srgbClr val="003399"/>
                 </a:solidFill>
@@ -6180,25 +5994,17 @@
                   <a:srgbClr val="003399"/>
                 </a:solidFill>
               </a:rPr>
-              <a:t>i</a:t>
-            </a:r>
-            <a:r>
-              <a:rPr lang="en-US" sz="2400" dirty="0" err="1" smtClean="0">
-                <a:solidFill>
-                  <a:srgbClr val="003399"/>
-                </a:solidFill>
-              </a:rPr>
-              <a:t>nt</a:t>
-            </a:r>
-            <a:r>
-              <a:rPr lang="en-US" sz="2400" dirty="0" smtClean="0">
+              <a:t>int</a:t>
+            </a:r>
+            <a:r>
+              <a:rPr lang="en-US" sz="2400" dirty="0">
                 <a:solidFill>
                   <a:srgbClr val="003399"/>
                 </a:solidFill>
               </a:rPr>
               <a:t> x[]</a:t>
             </a:r>
-            <a:endParaRPr lang="ru-RU" sz="2400" dirty="0" smtClean="0">
+            <a:endParaRPr lang="ru-RU" sz="2400" dirty="0">
               <a:solidFill>
                 <a:srgbClr val="003399"/>
               </a:solidFill>
@@ -6227,18 +6033,13 @@
           <a:lstStyle/>
           <a:p>
             <a:r>
-              <a:rPr lang="ru-RU" dirty="0" smtClean="0">
+              <a:rPr lang="ru-RU" dirty="0">
                 <a:solidFill>
                   <a:srgbClr val="003399"/>
                 </a:solidFill>
               </a:rPr>
               <a:t>Типы данных, переменные, массивы, операции, управляющие операторы</a:t>
             </a:r>
-            <a:endParaRPr lang="ru-RU" dirty="0">
-              <a:solidFill>
-                <a:srgbClr val="003399"/>
-              </a:solidFill>
-            </a:endParaRPr>
           </a:p>
         </p:txBody>
       </p:sp>
@@ -6252,21 +6053,6 @@
   <p:clrMapOvr>
     <a:masterClrMapping/>
   </p:clrMapOvr>
-  <mc:AlternateContent xmlns:mc="http://schemas.openxmlformats.org/markup-compatibility/2006">
-    <mc:Choice xmlns:p14="http://schemas.microsoft.com/office/powerpoint/2010/main" Requires="p14">
-      <p:transition p14:dur="0"/>
-    </mc:Choice>
-    <mc:Fallback>
-      <p:transition/>
-    </mc:Fallback>
-  </mc:AlternateContent>
-  <p:timing>
-    <p:tnLst>
-      <p:par>
-        <p:cTn id="1" dur="indefinite" restart="never" nodeType="tmRoot"/>
-      </p:par>
-    </p:tnLst>
-  </p:timing>
 </p:sld>
 </file>
 
@@ -6308,7 +6094,7 @@
           <a:lstStyle/>
           <a:p>
             <a:r>
-              <a:rPr lang="ru-RU" dirty="0" smtClean="0">
+              <a:rPr lang="ru-RU">
                 <a:solidFill>
                   <a:srgbClr val="003399"/>
                 </a:solidFill>
@@ -6323,6 +6109,268 @@
           </a:p>
         </p:txBody>
       </p:sp>
+      <p:sp>
+        <p:nvSpPr>
+          <p:cNvPr id="3" name="TextBox 2">
+            <a:extLst>
+              <a:ext uri="{FF2B5EF4-FFF2-40B4-BE49-F238E27FC236}">
+                <a16:creationId xmlns:a16="http://schemas.microsoft.com/office/drawing/2014/main" id="{AA561B4F-8A0B-58DE-5E6D-3950B22E7033}"/>
+              </a:ext>
+            </a:extLst>
+          </p:cNvPr>
+          <p:cNvSpPr txBox="1"/>
+          <p:nvPr/>
+        </p:nvSpPr>
+        <p:spPr>
+          <a:xfrm>
+            <a:off x="838200" y="1690688"/>
+            <a:ext cx="6100174" cy="3693319"/>
+          </a:xfrm>
+          <a:prstGeom prst="rect">
+            <a:avLst/>
+          </a:prstGeom>
+          <a:noFill/>
+        </p:spPr>
+        <p:txBody>
+          <a:bodyPr wrap="square">
+            <a:spAutoFit/>
+          </a:bodyPr>
+          <a:lstStyle/>
+          <a:p>
+            <a:r>
+              <a:rPr lang="en">
+                <a:solidFill>
+                  <a:srgbClr val="003399"/>
+                </a:solidFill>
+                <a:effectLst/>
+              </a:rPr>
+              <a:t>package start;</a:t>
+            </a:r>
+            <a:br>
+              <a:rPr lang="en">
+                <a:solidFill>
+                  <a:srgbClr val="003399"/>
+                </a:solidFill>
+                <a:effectLst/>
+              </a:rPr>
+            </a:br>
+            <a:br>
+              <a:rPr lang="en">
+                <a:solidFill>
+                  <a:srgbClr val="003399"/>
+                </a:solidFill>
+                <a:effectLst/>
+              </a:rPr>
+            </a:br>
+            <a:r>
+              <a:rPr lang="en">
+                <a:solidFill>
+                  <a:srgbClr val="003399"/>
+                </a:solidFill>
+                <a:effectLst/>
+              </a:rPr>
+              <a:t>public class AnyName {</a:t>
+            </a:r>
+            <a:br>
+              <a:rPr lang="en">
+                <a:solidFill>
+                  <a:srgbClr val="003399"/>
+                </a:solidFill>
+                <a:effectLst/>
+              </a:rPr>
+            </a:br>
+            <a:r>
+              <a:rPr lang="en">
+                <a:solidFill>
+                  <a:srgbClr val="003399"/>
+                </a:solidFill>
+                <a:effectLst/>
+              </a:rPr>
+              <a:t>    </a:t>
+            </a:r>
+            <a:br>
+              <a:rPr lang="en">
+                <a:solidFill>
+                  <a:srgbClr val="003399"/>
+                </a:solidFill>
+                <a:effectLst/>
+              </a:rPr>
+            </a:br>
+            <a:r>
+              <a:rPr lang="en">
+                <a:solidFill>
+                  <a:srgbClr val="003399"/>
+                </a:solidFill>
+                <a:effectLst/>
+              </a:rPr>
+              <a:t>    private int age;</a:t>
+            </a:r>
+            <a:br>
+              <a:rPr lang="en">
+                <a:solidFill>
+                  <a:srgbClr val="003399"/>
+                </a:solidFill>
+                <a:effectLst/>
+              </a:rPr>
+            </a:br>
+            <a:r>
+              <a:rPr lang="en">
+                <a:solidFill>
+                  <a:srgbClr val="003399"/>
+                </a:solidFill>
+                <a:effectLst/>
+              </a:rPr>
+              <a:t>    </a:t>
+            </a:r>
+            <a:br>
+              <a:rPr lang="en">
+                <a:solidFill>
+                  <a:srgbClr val="003399"/>
+                </a:solidFill>
+                <a:effectLst/>
+              </a:rPr>
+            </a:br>
+            <a:r>
+              <a:rPr lang="en">
+                <a:solidFill>
+                  <a:srgbClr val="003399"/>
+                </a:solidFill>
+                <a:effectLst/>
+              </a:rPr>
+              <a:t>    public int sum(int a, int b) {</a:t>
+            </a:r>
+            <a:br>
+              <a:rPr lang="en">
+                <a:solidFill>
+                  <a:srgbClr val="003399"/>
+                </a:solidFill>
+                <a:effectLst/>
+              </a:rPr>
+            </a:br>
+            <a:r>
+              <a:rPr lang="en">
+                <a:solidFill>
+                  <a:srgbClr val="003399"/>
+                </a:solidFill>
+                <a:effectLst/>
+              </a:rPr>
+              <a:t>        return a+b;</a:t>
+            </a:r>
+            <a:br>
+              <a:rPr lang="en">
+                <a:solidFill>
+                  <a:srgbClr val="003399"/>
+                </a:solidFill>
+                <a:effectLst/>
+              </a:rPr>
+            </a:br>
+            <a:r>
+              <a:rPr lang="en">
+                <a:solidFill>
+                  <a:srgbClr val="003399"/>
+                </a:solidFill>
+                <a:effectLst/>
+              </a:rPr>
+              <a:t>    }</a:t>
+            </a:r>
+            <a:br>
+              <a:rPr lang="en">
+                <a:solidFill>
+                  <a:srgbClr val="003399"/>
+                </a:solidFill>
+                <a:effectLst/>
+              </a:rPr>
+            </a:br>
+            <a:br>
+              <a:rPr lang="en">
+                <a:solidFill>
+                  <a:srgbClr val="003399"/>
+                </a:solidFill>
+                <a:effectLst/>
+              </a:rPr>
+            </a:br>
+            <a:r>
+              <a:rPr lang="en">
+                <a:solidFill>
+                  <a:srgbClr val="003399"/>
+                </a:solidFill>
+                <a:effectLst/>
+              </a:rPr>
+              <a:t>    public static void main(String[] args) {</a:t>
+            </a:r>
+            <a:br>
+              <a:rPr lang="en">
+                <a:solidFill>
+                  <a:srgbClr val="003399"/>
+                </a:solidFill>
+                <a:effectLst/>
+              </a:rPr>
+            </a:br>
+            <a:r>
+              <a:rPr lang="en">
+                <a:solidFill>
+                  <a:srgbClr val="003399"/>
+                </a:solidFill>
+                <a:effectLst/>
+              </a:rPr>
+              <a:t>    }</a:t>
+            </a:r>
+            <a:br>
+              <a:rPr lang="en">
+                <a:solidFill>
+                  <a:srgbClr val="003399"/>
+                </a:solidFill>
+                <a:effectLst/>
+              </a:rPr>
+            </a:br>
+            <a:r>
+              <a:rPr lang="en">
+                <a:solidFill>
+                  <a:srgbClr val="003399"/>
+                </a:solidFill>
+                <a:effectLst/>
+              </a:rPr>
+              <a:t>}</a:t>
+            </a:r>
+            <a:endParaRPr lang="en" dirty="0">
+              <a:solidFill>
+                <a:srgbClr val="003399"/>
+              </a:solidFill>
+              <a:effectLst/>
+            </a:endParaRPr>
+          </a:p>
+        </p:txBody>
+      </p:sp>
+      <p:pic>
+        <p:nvPicPr>
+          <p:cNvPr id="4" name="Рисунок 3">
+            <a:extLst>
+              <a:ext uri="{FF2B5EF4-FFF2-40B4-BE49-F238E27FC236}">
+                <a16:creationId xmlns:a16="http://schemas.microsoft.com/office/drawing/2014/main" id="{D365A02C-B34C-5EED-E07C-AA38086133DE}"/>
+              </a:ext>
+            </a:extLst>
+          </p:cNvPr>
+          <p:cNvPicPr>
+            <a:picLocks noChangeAspect="1"/>
+          </p:cNvPicPr>
+          <p:nvPr/>
+        </p:nvPicPr>
+        <p:blipFill>
+          <a:blip r:embed="rId2"/>
+          <a:stretch>
+            <a:fillRect/>
+          </a:stretch>
+        </p:blipFill>
+        <p:spPr>
+          <a:xfrm>
+            <a:off x="7138009" y="1690687"/>
+            <a:ext cx="2644818" cy="3694349"/>
+          </a:xfrm>
+          <a:prstGeom prst="rect">
+            <a:avLst/>
+          </a:prstGeom>
+        </p:spPr>
+      </p:pic>
     </p:spTree>
     <p:extLst>
       <p:ext uri="{BB962C8B-B14F-4D97-AF65-F5344CB8AC3E}">
@@ -6333,21 +6381,6 @@
   <p:clrMapOvr>
     <a:masterClrMapping/>
   </p:clrMapOvr>
-  <mc:AlternateContent xmlns:mc="http://schemas.openxmlformats.org/markup-compatibility/2006">
-    <mc:Choice xmlns:p14="http://schemas.microsoft.com/office/powerpoint/2010/main" Requires="p14">
-      <p:transition p14:dur="0"/>
-    </mc:Choice>
-    <mc:Fallback>
-      <p:transition/>
-    </mc:Fallback>
-  </mc:AlternateContent>
-  <p:timing>
-    <p:tnLst>
-      <p:par>
-        <p:cTn id="1" dur="indefinite" restart="never" nodeType="tmRoot"/>
-      </p:par>
-    </p:tnLst>
-  </p:timing>
 </p:sld>
 </file>
 
@@ -6389,7 +6422,7 @@
           <a:lstStyle/>
           <a:p>
             <a:r>
-              <a:rPr lang="en-US" dirty="0" smtClean="0">
+              <a:rPr lang="en-US" dirty="0">
                 <a:solidFill>
                   <a:srgbClr val="003399"/>
                 </a:solidFill>
@@ -6444,21 +6477,6 @@
   <p:clrMapOvr>
     <a:masterClrMapping/>
   </p:clrMapOvr>
-  <mc:AlternateContent xmlns:mc="http://schemas.openxmlformats.org/markup-compatibility/2006">
-    <mc:Choice xmlns:p14="http://schemas.microsoft.com/office/powerpoint/2010/main" Requires="p14">
-      <p:transition p14:dur="0"/>
-    </mc:Choice>
-    <mc:Fallback>
-      <p:transition/>
-    </mc:Fallback>
-  </mc:AlternateContent>
-  <p:timing>
-    <p:tnLst>
-      <p:par>
-        <p:cTn id="1" dur="indefinite" restart="never" nodeType="tmRoot"/>
-      </p:par>
-    </p:tnLst>
-  </p:timing>
 </p:sld>
 </file>
 
@@ -6500,18 +6518,13 @@
           <a:lstStyle/>
           <a:p>
             <a:r>
-              <a:rPr lang="ru-RU" dirty="0" smtClean="0">
+              <a:rPr lang="ru-RU" dirty="0">
                 <a:solidFill>
                   <a:srgbClr val="003399"/>
                 </a:solidFill>
               </a:rPr>
               <a:t>Абстрактные классы, интерфейсы, перечисления</a:t>
             </a:r>
-            <a:endParaRPr lang="ru-RU" dirty="0">
-              <a:solidFill>
-                <a:srgbClr val="003399"/>
-              </a:solidFill>
-            </a:endParaRPr>
           </a:p>
         </p:txBody>
       </p:sp>
@@ -6524,7 +6537,7 @@
         <p:spPr>
           <a:xfrm>
             <a:off x="838200" y="2441448"/>
-            <a:ext cx="5852160" cy="2585323"/>
+            <a:ext cx="4059477" cy="2585323"/>
           </a:xfrm>
           <a:prstGeom prst="rect">
             <a:avLst/>
@@ -6538,7 +6551,7 @@
           <a:lstStyle/>
           <a:p>
             <a:r>
-              <a:rPr lang="ru-RU" dirty="0" smtClean="0">
+              <a:rPr lang="ru-RU" dirty="0">
                 <a:solidFill>
                   <a:srgbClr val="003399"/>
                 </a:solidFill>
@@ -6548,7 +6561,7 @@
           </a:p>
           <a:p>
             <a:r>
-              <a:rPr lang="en-US" dirty="0" smtClean="0">
+              <a:rPr lang="en-US" dirty="0">
                 <a:solidFill>
                   <a:srgbClr val="003399"/>
                 </a:solidFill>
@@ -6563,18 +6576,10 @@
                   <a:srgbClr val="003399"/>
                 </a:solidFill>
               </a:rPr>
-              <a:t> </a:t>
-            </a:r>
-            <a:r>
-              <a:rPr lang="en-US" dirty="0" smtClean="0">
-                <a:solidFill>
-                  <a:srgbClr val="003399"/>
-                </a:solidFill>
-              </a:rPr>
-              <a:t>      // </a:t>
-            </a:r>
-            <a:r>
-              <a:rPr lang="ru-RU" dirty="0" smtClean="0">
+              <a:t>       // </a:t>
+            </a:r>
+            <a:r>
+              <a:rPr lang="ru-RU" dirty="0">
                 <a:solidFill>
                   <a:srgbClr val="003399"/>
                 </a:solidFill>
@@ -6589,21 +6594,21 @@
           </a:p>
           <a:p>
             <a:r>
-              <a:rPr lang="en-US" dirty="0" smtClean="0">
+              <a:rPr lang="en-US" dirty="0">
                 <a:solidFill>
                   <a:srgbClr val="003399"/>
                 </a:solidFill>
               </a:rPr>
               <a:t>}</a:t>
             </a:r>
-            <a:endParaRPr lang="ru-RU" dirty="0" smtClean="0">
+            <a:endParaRPr lang="ru-RU" dirty="0">
               <a:solidFill>
                 <a:srgbClr val="003399"/>
               </a:solidFill>
             </a:endParaRPr>
           </a:p>
           <a:p>
-            <a:endParaRPr lang="ru-RU" dirty="0" smtClean="0">
+            <a:endParaRPr lang="ru-RU" dirty="0">
               <a:solidFill>
                 <a:srgbClr val="003399"/>
               </a:solidFill>
@@ -6611,61 +6616,12 @@
           </a:p>
           <a:p>
             <a:r>
-              <a:rPr lang="ru-RU" dirty="0" smtClean="0">
+              <a:rPr lang="ru-RU" dirty="0">
                 <a:solidFill>
                   <a:srgbClr val="003399"/>
                 </a:solidFill>
               </a:rPr>
               <a:t>Имплементация:</a:t>
-            </a:r>
-            <a:endParaRPr lang="en-US" dirty="0" smtClean="0">
-              <a:solidFill>
-                <a:srgbClr val="003399"/>
-              </a:solidFill>
-            </a:endParaRPr>
-          </a:p>
-          <a:p>
-            <a:r>
-              <a:rPr lang="en-US" dirty="0">
-                <a:solidFill>
-                  <a:srgbClr val="003399"/>
-                </a:solidFill>
-              </a:rPr>
-              <a:t>p</a:t>
-            </a:r>
-            <a:r>
-              <a:rPr lang="en-US" dirty="0" smtClean="0">
-                <a:solidFill>
-                  <a:srgbClr val="003399"/>
-                </a:solidFill>
-              </a:rPr>
-              <a:t>ublic class Cat implements Eatable </a:t>
-            </a:r>
-            <a:r>
-              <a:rPr lang="en-US" dirty="0">
-                <a:solidFill>
-                  <a:srgbClr val="003399"/>
-                </a:solidFill>
-              </a:rPr>
-              <a:t>{</a:t>
-            </a:r>
-          </a:p>
-          <a:p>
-            <a:r>
-              <a:rPr lang="en-US" dirty="0">
-                <a:solidFill>
-                  <a:srgbClr val="003399"/>
-                </a:solidFill>
-              </a:rPr>
-              <a:t>       // </a:t>
-            </a:r>
-            <a:r>
-              <a:rPr lang="ru-RU" dirty="0">
-                <a:solidFill>
-                  <a:srgbClr val="003399"/>
-                </a:solidFill>
-              </a:rPr>
-              <a:t>код класса</a:t>
             </a:r>
             <a:endParaRPr lang="en-US" dirty="0">
               <a:solidFill>
@@ -6675,12 +6631,30 @@
           </a:p>
           <a:p>
             <a:r>
-              <a:rPr lang="en-US" dirty="0" smtClean="0">
-                <a:solidFill>
-                  <a:srgbClr val="003399"/>
-                </a:solidFill>
-              </a:rPr>
-              <a:t>}</a:t>
+              <a:rPr lang="en-US" dirty="0">
+                <a:solidFill>
+                  <a:srgbClr val="003399"/>
+                </a:solidFill>
+              </a:rPr>
+              <a:t>public class Cat implements Eatable {</a:t>
+            </a:r>
+          </a:p>
+          <a:p>
+            <a:r>
+              <a:rPr lang="en-US" dirty="0">
+                <a:solidFill>
+                  <a:srgbClr val="003399"/>
+                </a:solidFill>
+              </a:rPr>
+              <a:t>       // </a:t>
+            </a:r>
+            <a:r>
+              <a:rPr lang="ru-RU" dirty="0">
+                <a:solidFill>
+                  <a:srgbClr val="003399"/>
+                </a:solidFill>
+              </a:rPr>
+              <a:t>код класса</a:t>
             </a:r>
             <a:endParaRPr lang="en-US" dirty="0">
               <a:solidFill>
@@ -6688,8 +6662,48 @@
               </a:solidFill>
             </a:endParaRPr>
           </a:p>
+          <a:p>
+            <a:r>
+              <a:rPr lang="en-US" dirty="0">
+                <a:solidFill>
+                  <a:srgbClr val="003399"/>
+                </a:solidFill>
+              </a:rPr>
+              <a:t>}</a:t>
+            </a:r>
+          </a:p>
         </p:txBody>
       </p:sp>
+      <p:pic>
+        <p:nvPicPr>
+          <p:cNvPr id="4" name="Рисунок 3">
+            <a:extLst>
+              <a:ext uri="{FF2B5EF4-FFF2-40B4-BE49-F238E27FC236}">
+                <a16:creationId xmlns:a16="http://schemas.microsoft.com/office/drawing/2014/main" id="{9C7FC609-1511-017C-EBAB-173307DCE55D}"/>
+              </a:ext>
+            </a:extLst>
+          </p:cNvPr>
+          <p:cNvPicPr>
+            <a:picLocks noChangeAspect="1"/>
+          </p:cNvPicPr>
+          <p:nvPr/>
+        </p:nvPicPr>
+        <p:blipFill>
+          <a:blip r:embed="rId2"/>
+          <a:stretch>
+            <a:fillRect/>
+          </a:stretch>
+        </p:blipFill>
+        <p:spPr>
+          <a:xfrm>
+            <a:off x="6096000" y="2441448"/>
+            <a:ext cx="4178300" cy="4165600"/>
+          </a:xfrm>
+          <a:prstGeom prst="rect">
+            <a:avLst/>
+          </a:prstGeom>
+        </p:spPr>
+      </p:pic>
     </p:spTree>
     <p:extLst>
       <p:ext uri="{BB962C8B-B14F-4D97-AF65-F5344CB8AC3E}">
@@ -6700,21 +6714,6 @@
   <p:clrMapOvr>
     <a:masterClrMapping/>
   </p:clrMapOvr>
-  <mc:AlternateContent xmlns:mc="http://schemas.openxmlformats.org/markup-compatibility/2006">
-    <mc:Choice xmlns:p14="http://schemas.microsoft.com/office/powerpoint/2010/main" Requires="p14">
-      <p:transition p14:dur="0"/>
-    </mc:Choice>
-    <mc:Fallback>
-      <p:transition/>
-    </mc:Fallback>
-  </mc:AlternateContent>
-  <p:timing>
-    <p:tnLst>
-      <p:par>
-        <p:cTn id="1" dur="indefinite" restart="never" nodeType="tmRoot"/>
-      </p:par>
-    </p:tnLst>
-  </p:timing>
 </p:sld>
 </file>
 
@@ -6756,18 +6755,13 @@
           <a:lstStyle/>
           <a:p>
             <a:r>
-              <a:rPr lang="ru-RU" dirty="0" smtClean="0">
+              <a:rPr lang="ru-RU" dirty="0">
                 <a:solidFill>
                   <a:srgbClr val="003399"/>
                 </a:solidFill>
               </a:rPr>
               <a:t>Исключения</a:t>
             </a:r>
-            <a:endParaRPr lang="ru-RU" dirty="0">
-              <a:solidFill>
-                <a:srgbClr val="003399"/>
-              </a:solidFill>
-            </a:endParaRPr>
           </a:p>
         </p:txBody>
       </p:sp>
@@ -6811,21 +6805,6 @@
   <p:clrMapOvr>
     <a:masterClrMapping/>
   </p:clrMapOvr>
-  <mc:AlternateContent xmlns:mc="http://schemas.openxmlformats.org/markup-compatibility/2006">
-    <mc:Choice xmlns:p14="http://schemas.microsoft.com/office/powerpoint/2010/main" Requires="p14">
-      <p:transition p14:dur="0"/>
-    </mc:Choice>
-    <mc:Fallback>
-      <p:transition/>
-    </mc:Fallback>
-  </mc:AlternateContent>
-  <p:timing>
-    <p:tnLst>
-      <p:par>
-        <p:cTn id="1" dur="indefinite" restart="never" nodeType="tmRoot"/>
-      </p:par>
-    </p:tnLst>
-  </p:timing>
 </p:sld>
 </file>
 
@@ -6862,18 +6841,13 @@
           <a:lstStyle/>
           <a:p>
             <a:r>
-              <a:rPr lang="ru-RU" dirty="0" smtClean="0">
+              <a:rPr lang="ru-RU" dirty="0">
                 <a:solidFill>
                   <a:srgbClr val="003399"/>
                 </a:solidFill>
               </a:rPr>
               <a:t>О чем поговорим?</a:t>
             </a:r>
-            <a:endParaRPr lang="ru-RU" dirty="0">
-              <a:solidFill>
-                <a:srgbClr val="003399"/>
-              </a:solidFill>
-            </a:endParaRPr>
           </a:p>
         </p:txBody>
       </p:sp>
@@ -6887,21 +6861,6 @@
   <p:clrMapOvr>
     <a:masterClrMapping/>
   </p:clrMapOvr>
-  <mc:AlternateContent xmlns:mc="http://schemas.openxmlformats.org/markup-compatibility/2006">
-    <mc:Choice xmlns:p14="http://schemas.microsoft.com/office/powerpoint/2010/main" Requires="p14">
-      <p:transition p14:dur="0"/>
-    </mc:Choice>
-    <mc:Fallback>
-      <p:transition/>
-    </mc:Fallback>
-  </mc:AlternateContent>
-  <p:timing>
-    <p:tnLst>
-      <p:par>
-        <p:cTn id="1" dur="indefinite" restart="never" nodeType="tmRoot"/>
-      </p:par>
-    </p:tnLst>
-  </p:timing>
 </p:sld>
 </file>
 
@@ -6945,7 +6904,7 @@
           <a:lstStyle/>
           <a:p>
             <a:r>
-              <a:rPr lang="en-US" dirty="0" smtClean="0">
+              <a:rPr lang="en-US" dirty="0">
                 <a:solidFill>
                   <a:srgbClr val="003399"/>
                 </a:solidFill>
@@ -7076,17 +7035,9 @@
                   <a:srgbClr val="003399"/>
                 </a:solidFill>
               </a:rPr>
-              <a:t> </a:t>
-            </a:r>
-            <a:r>
-              <a:rPr lang="ru-RU" sz="2400" dirty="0" smtClean="0">
-                <a:solidFill>
-                  <a:srgbClr val="003399"/>
-                </a:solidFill>
-              </a:rPr>
-              <a:t>{</a:t>
-            </a:r>
-            <a:endParaRPr lang="en-US" sz="2400" dirty="0" smtClean="0">
+              <a:t> {</a:t>
+            </a:r>
+            <a:endParaRPr lang="en-US" sz="2400" dirty="0">
               <a:solidFill>
                 <a:srgbClr val="003399"/>
               </a:solidFill>
@@ -7122,21 +7073,6 @@
   <p:clrMapOvr>
     <a:masterClrMapping/>
   </p:clrMapOvr>
-  <mc:AlternateContent xmlns:mc="http://schemas.openxmlformats.org/markup-compatibility/2006">
-    <mc:Choice xmlns:p14="http://schemas.microsoft.com/office/powerpoint/2010/main" Requires="p14">
-      <p:transition p14:dur="0"/>
-    </mc:Choice>
-    <mc:Fallback>
-      <p:transition/>
-    </mc:Fallback>
-  </mc:AlternateContent>
-  <p:timing>
-    <p:tnLst>
-      <p:par>
-        <p:cTn id="1" dur="indefinite" restart="never" nodeType="tmRoot"/>
-      </p:par>
-    </p:tnLst>
-  </p:timing>
 </p:sld>
 </file>
 
@@ -7190,17 +7126,7 @@
                   </a:schemeClr>
                 </a:solidFill>
               </a:rPr>
-              <a:t> </a:t>
-            </a:r>
-            <a:r>
-              <a:rPr lang="en-US" sz="2400" dirty="0" smtClean="0">
-                <a:solidFill>
-                  <a:schemeClr val="accent6">
-                    <a:lumMod val="75000"/>
-                  </a:schemeClr>
-                </a:solidFill>
-              </a:rPr>
-              <a:t>   </a:t>
+              <a:t>    </a:t>
             </a:r>
             <a:r>
               <a:rPr lang="ru-RU" sz="2400" dirty="0">
@@ -7538,21 +7464,6 @@
   <p:clrMapOvr>
     <a:masterClrMapping/>
   </p:clrMapOvr>
-  <mc:AlternateContent xmlns:mc="http://schemas.openxmlformats.org/markup-compatibility/2006">
-    <mc:Choice xmlns:p14="http://schemas.microsoft.com/office/powerpoint/2010/main" Requires="p14">
-      <p:transition p14:dur="0"/>
-    </mc:Choice>
-    <mc:Fallback>
-      <p:transition/>
-    </mc:Fallback>
-  </mc:AlternateContent>
-  <p:timing>
-    <p:tnLst>
-      <p:par>
-        <p:cTn id="1" dur="indefinite" restart="never" nodeType="tmRoot"/>
-      </p:par>
-    </p:tnLst>
-  </p:timing>
 </p:sld>
 </file>
 
@@ -7597,7 +7508,7 @@
               <a:buNone/>
             </a:pPr>
             <a:r>
-              <a:rPr lang="ru-RU" dirty="0" smtClean="0">
+              <a:rPr lang="ru-RU" dirty="0">
                 <a:solidFill>
                   <a:srgbClr val="003399"/>
                 </a:solidFill>
@@ -7605,83 +7516,60 @@
               <a:t>Введение в </a:t>
             </a:r>
             <a:r>
-              <a:rPr lang="en-US" dirty="0" smtClean="0">
+              <a:rPr lang="en-US" dirty="0">
                 <a:solidFill>
                   <a:srgbClr val="003399"/>
                 </a:solidFill>
               </a:rPr>
               <a:t>Java</a:t>
-            </a:r>
-            <a:endParaRPr lang="ru-RU" dirty="0" smtClean="0">
-              <a:solidFill>
-                <a:srgbClr val="003399"/>
-              </a:solidFill>
-            </a:endParaRPr>
-          </a:p>
-          <a:p>
-            <a:pPr>
-              <a:buFont typeface="Calibri" panose="020F0502020204030204" pitchFamily="34" charset="0"/>
-              <a:buChar char="‐"/>
-            </a:pPr>
-            <a:r>
-              <a:rPr lang="ru-RU" dirty="0" smtClean="0">
-                <a:solidFill>
-                  <a:srgbClr val="003399"/>
-                </a:solidFill>
-              </a:rPr>
-              <a:t>история</a:t>
-            </a:r>
-            <a:endParaRPr lang="ru-RU" dirty="0" smtClean="0">
-              <a:solidFill>
-                <a:srgbClr val="003399"/>
-              </a:solidFill>
-            </a:endParaRPr>
-          </a:p>
-          <a:p>
-            <a:pPr>
-              <a:buFont typeface="Calibri" panose="020F0502020204030204" pitchFamily="34" charset="0"/>
-              <a:buChar char="‐"/>
-            </a:pPr>
-            <a:r>
-              <a:rPr lang="ru-RU" dirty="0">
-                <a:solidFill>
-                  <a:srgbClr val="003399"/>
-                </a:solidFill>
-              </a:rPr>
-              <a:t>с</a:t>
-            </a:r>
-            <a:r>
-              <a:rPr lang="ru-RU" dirty="0" smtClean="0">
-                <a:solidFill>
-                  <a:srgbClr val="003399"/>
-                </a:solidFill>
-              </a:rPr>
-              <a:t>интаксис, структура</a:t>
-            </a:r>
-            <a:endParaRPr lang="ru-RU" dirty="0" smtClean="0">
-              <a:solidFill>
-                <a:srgbClr val="003399"/>
-              </a:solidFill>
-            </a:endParaRPr>
-          </a:p>
-          <a:p>
-            <a:pPr>
-              <a:buFont typeface="Calibri" panose="020F0502020204030204" pitchFamily="34" charset="0"/>
-              <a:buChar char="‐"/>
-            </a:pPr>
-            <a:r>
-              <a:rPr lang="ru-RU" dirty="0" smtClean="0">
-                <a:solidFill>
-                  <a:srgbClr val="003399"/>
-                </a:solidFill>
-              </a:rPr>
-              <a:t>модули</a:t>
             </a:r>
             <a:endParaRPr lang="ru-RU" dirty="0">
               <a:solidFill>
                 <a:srgbClr val="003399"/>
               </a:solidFill>
             </a:endParaRPr>
+          </a:p>
+          <a:p>
+            <a:pPr>
+              <a:buFont typeface="Calibri" panose="020F0502020204030204" pitchFamily="34" charset="0"/>
+              <a:buChar char="‐"/>
+            </a:pPr>
+            <a:r>
+              <a:rPr lang="ru-RU" dirty="0">
+                <a:solidFill>
+                  <a:srgbClr val="003399"/>
+                </a:solidFill>
+              </a:rPr>
+              <a:t>история</a:t>
+            </a:r>
+          </a:p>
+          <a:p>
+            <a:pPr>
+              <a:buFont typeface="Calibri" panose="020F0502020204030204" pitchFamily="34" charset="0"/>
+              <a:buChar char="‐"/>
+            </a:pPr>
+            <a:r>
+              <a:rPr lang="ru-RU" dirty="0">
+                <a:solidFill>
+                  <a:srgbClr val="003399"/>
+                </a:solidFill>
+              </a:rPr>
+              <a:t>синтаксис, структура</a:t>
+            </a:r>
+          </a:p>
+          <a:p>
+            <a:pPr>
+              <a:buFont typeface="Calibri" panose="020F0502020204030204" pitchFamily="34" charset="0"/>
+              <a:buChar char="‐"/>
+            </a:pPr>
+            <a:r>
+              <a:rPr lang="ru-RU" dirty="0">
+                <a:solidFill>
+                  <a:srgbClr val="003399"/>
+                </a:solidFill>
+              </a:rPr>
+              <a:t>модули</a:t>
+            </a:r>
           </a:p>
         </p:txBody>
       </p:sp>
@@ -7695,21 +7583,6 @@
   <p:clrMapOvr>
     <a:masterClrMapping/>
   </p:clrMapOvr>
-  <mc:AlternateContent xmlns:mc="http://schemas.openxmlformats.org/markup-compatibility/2006">
-    <mc:Choice xmlns:p14="http://schemas.microsoft.com/office/powerpoint/2010/main" Requires="p14">
-      <p:transition p14:dur="0"/>
-    </mc:Choice>
-    <mc:Fallback>
-      <p:transition/>
-    </mc:Fallback>
-  </mc:AlternateContent>
-  <p:timing>
-    <p:tnLst>
-      <p:par>
-        <p:cTn id="1" dur="indefinite" restart="never" nodeType="tmRoot"/>
-      </p:par>
-    </p:tnLst>
-  </p:timing>
 </p:sld>
 </file>
 
@@ -7926,17 +7799,45 @@
                   <a:srgbClr val="003399"/>
                 </a:solidFill>
               </a:rPr>
-              <a:t>м</a:t>
-            </a:r>
-            <a:r>
-              <a:rPr lang="ru-RU" dirty="0" smtClean="0">
-                <a:solidFill>
-                  <a:srgbClr val="003399"/>
-                </a:solidFill>
-              </a:rPr>
-              <a:t>ногопоточное программирование</a:t>
-            </a:r>
-            <a:endParaRPr lang="ru-RU" dirty="0" smtClean="0">
+              <a:t>многопоточное программирование</a:t>
+            </a:r>
+          </a:p>
+          <a:p>
+            <a:pPr>
+              <a:buFont typeface="Calibri" panose="020F0502020204030204" pitchFamily="34" charset="0"/>
+              <a:buChar char="‐"/>
+            </a:pPr>
+            <a:r>
+              <a:rPr lang="ru-RU" dirty="0">
+                <a:solidFill>
+                  <a:srgbClr val="003399"/>
+                </a:solidFill>
+              </a:rPr>
+              <a:t>системы сборки проектов</a:t>
+            </a:r>
+          </a:p>
+          <a:p>
+            <a:pPr>
+              <a:buFont typeface="Calibri" panose="020F0502020204030204" pitchFamily="34" charset="0"/>
+              <a:buChar char="‐"/>
+            </a:pPr>
+            <a:r>
+              <a:rPr lang="ru-RU" dirty="0">
+                <a:solidFill>
+                  <a:srgbClr val="003399"/>
+                </a:solidFill>
+              </a:rPr>
+              <a:t>технология </a:t>
+            </a:r>
+            <a:r>
+              <a:rPr lang="en-US" dirty="0">
+                <a:solidFill>
+                  <a:srgbClr val="003399"/>
+                </a:solidFill>
+              </a:rPr>
+              <a:t>ORM</a:t>
+            </a:r>
+            <a:endParaRPr lang="ru-RU" dirty="0">
               <a:solidFill>
                 <a:srgbClr val="003399"/>
               </a:solidFill>
@@ -7953,64 +7854,10 @@
                   <a:srgbClr val="003399"/>
                 </a:solidFill>
               </a:rPr>
-              <a:t>с</a:t>
-            </a:r>
-            <a:r>
-              <a:rPr lang="ru-RU" dirty="0" smtClean="0">
-                <a:solidFill>
-                  <a:srgbClr val="003399"/>
-                </a:solidFill>
-              </a:rPr>
-              <a:t>истемы сборки проектов</a:t>
-            </a:r>
-            <a:endParaRPr lang="ru-RU" dirty="0" smtClean="0">
-              <a:solidFill>
-                <a:srgbClr val="003399"/>
-              </a:solidFill>
-            </a:endParaRPr>
-          </a:p>
-          <a:p>
-            <a:pPr>
-              <a:buFont typeface="Calibri" panose="020F0502020204030204" pitchFamily="34" charset="0"/>
-              <a:buChar char="‐"/>
-            </a:pPr>
-            <a:r>
-              <a:rPr lang="ru-RU" dirty="0" smtClean="0">
-                <a:solidFill>
-                  <a:srgbClr val="003399"/>
-                </a:solidFill>
-              </a:rPr>
-              <a:t>технология </a:t>
-            </a:r>
-            <a:r>
-              <a:rPr lang="en-US" dirty="0" smtClean="0">
-                <a:solidFill>
-                  <a:srgbClr val="003399"/>
-                </a:solidFill>
-              </a:rPr>
-              <a:t>ORM</a:t>
-            </a:r>
-            <a:endParaRPr lang="ru-RU" dirty="0" smtClean="0">
-              <a:solidFill>
-                <a:srgbClr val="003399"/>
-              </a:solidFill>
-            </a:endParaRPr>
-          </a:p>
-          <a:p>
-            <a:pPr>
-              <a:buFont typeface="Calibri" panose="020F0502020204030204" pitchFamily="34" charset="0"/>
-              <a:buChar char="‐"/>
-            </a:pPr>
-            <a:r>
-              <a:rPr lang="ru-RU" dirty="0" smtClean="0">
-                <a:solidFill>
-                  <a:srgbClr val="003399"/>
-                </a:solidFill>
-              </a:rPr>
               <a:t>фреймворк </a:t>
             </a:r>
             <a:r>
-              <a:rPr lang="en-US" dirty="0" smtClean="0">
+              <a:rPr lang="en-US" dirty="0">
                 <a:solidFill>
                   <a:srgbClr val="003399"/>
                 </a:solidFill>
@@ -8018,18 +7865,13 @@
               <a:t>Spring</a:t>
             </a:r>
             <a:r>
-              <a:rPr lang="ru-RU" dirty="0" smtClean="0">
+              <a:rPr lang="ru-RU" dirty="0">
                 <a:solidFill>
                   <a:srgbClr val="003399"/>
                 </a:solidFill>
               </a:rPr>
               <a:t> </a:t>
             </a:r>
-            <a:endParaRPr lang="ru-RU" dirty="0" smtClean="0">
-              <a:solidFill>
-                <a:srgbClr val="003399"/>
-              </a:solidFill>
-            </a:endParaRPr>
           </a:p>
         </p:txBody>
       </p:sp>
@@ -8224,7 +8066,7 @@
               <a:buNone/>
             </a:pPr>
             <a:r>
-              <a:rPr lang="ru-RU" smtClean="0">
+              <a:rPr lang="ru-RU">
                 <a:solidFill>
                   <a:srgbClr val="003399"/>
                 </a:solidFill>
@@ -8232,14 +8074,14 @@
               <a:t>Введение в </a:t>
             </a:r>
             <a:r>
-              <a:rPr lang="en-US" smtClean="0">
+              <a:rPr lang="en-US">
                 <a:solidFill>
                   <a:srgbClr val="003399"/>
                 </a:solidFill>
               </a:rPr>
               <a:t>Java</a:t>
             </a:r>
-            <a:endParaRPr lang="ru-RU" smtClean="0">
+            <a:endParaRPr lang="ru-RU">
               <a:solidFill>
                 <a:srgbClr val="003399"/>
               </a:solidFill>
@@ -8251,7 +8093,7 @@
               <a:buChar char="‐"/>
             </a:pPr>
             <a:r>
-              <a:rPr lang="ru-RU" smtClean="0">
+              <a:rPr lang="ru-RU">
                 <a:solidFill>
                   <a:srgbClr val="003399"/>
                 </a:solidFill>
@@ -8265,7 +8107,7 @@
               <a:buChar char="‐"/>
             </a:pPr>
             <a:r>
-              <a:rPr lang="ru-RU" smtClean="0">
+              <a:rPr lang="ru-RU">
                 <a:solidFill>
                   <a:srgbClr val="003399"/>
                 </a:solidFill>
@@ -8279,7 +8121,7 @@
               <a:buChar char="‐"/>
             </a:pPr>
             <a:r>
-              <a:rPr lang="ru-RU" smtClean="0">
+              <a:rPr lang="ru-RU">
                 <a:solidFill>
                   <a:srgbClr val="003399"/>
                 </a:solidFill>
@@ -8304,21 +8146,6 @@
   <p:clrMapOvr>
     <a:masterClrMapping/>
   </p:clrMapOvr>
-  <mc:AlternateContent xmlns:mc="http://schemas.openxmlformats.org/markup-compatibility/2006">
-    <mc:Choice xmlns:p14="http://schemas.microsoft.com/office/powerpoint/2010/main" Requires="p14">
-      <p:transition p14:dur="0"/>
-    </mc:Choice>
-    <mc:Fallback>
-      <p:transition/>
-    </mc:Fallback>
-  </mc:AlternateContent>
-  <p:timing>
-    <p:tnLst>
-      <p:par>
-        <p:cTn id="1" dur="indefinite" restart="never" nodeType="tmRoot"/>
-      </p:par>
-    </p:tnLst>
-  </p:timing>
 </p:sld>
 </file>
 
@@ -8535,25 +8362,17 @@
                   <a:srgbClr val="003399"/>
                 </a:solidFill>
               </a:rPr>
-              <a:t>с</a:t>
-            </a:r>
-            <a:r>
-              <a:rPr lang="ru-RU" dirty="0" smtClean="0">
-                <a:solidFill>
-                  <a:srgbClr val="003399"/>
-                </a:solidFill>
-              </a:rPr>
-              <a:t>борщик мусора </a:t>
-            </a:r>
-            <a:r>
-              <a:rPr lang="en-US" dirty="0" smtClean="0">
+              <a:t>сборщик мусора </a:t>
+            </a:r>
+            <a:r>
+              <a:rPr lang="en-US" dirty="0">
                 <a:solidFill>
                   <a:srgbClr val="003399"/>
                 </a:solidFill>
               </a:rPr>
               <a:t>Java</a:t>
             </a:r>
-            <a:endParaRPr lang="ru-RU" dirty="0" smtClean="0">
+            <a:endParaRPr lang="ru-RU" dirty="0">
               <a:solidFill>
                 <a:srgbClr val="003399"/>
               </a:solidFill>
@@ -8570,21 +8389,8 @@
                   <a:srgbClr val="003399"/>
                 </a:solidFill>
               </a:rPr>
-              <a:t>б</a:t>
-            </a:r>
-            <a:r>
-              <a:rPr lang="ru-RU" dirty="0" smtClean="0">
-                <a:solidFill>
-                  <a:srgbClr val="003399"/>
-                </a:solidFill>
-              </a:rPr>
-              <a:t>рокеры сообщений</a:t>
-            </a:r>
-            <a:endParaRPr lang="ru-RU" dirty="0" smtClean="0">
-              <a:solidFill>
-                <a:srgbClr val="003399"/>
-              </a:solidFill>
-            </a:endParaRPr>
+              <a:t>брокеры сообщений</a:t>
+            </a:r>
           </a:p>
         </p:txBody>
       </p:sp>
@@ -8784,17 +8590,45 @@
                   <a:srgbClr val="003399"/>
                 </a:solidFill>
               </a:rPr>
-              <a:t>м</a:t>
-            </a:r>
-            <a:r>
-              <a:rPr lang="ru-RU" dirty="0" smtClean="0">
-                <a:solidFill>
-                  <a:srgbClr val="003399"/>
-                </a:solidFill>
-              </a:rPr>
-              <a:t>ногопоточное программирование</a:t>
-            </a:r>
-            <a:endParaRPr lang="ru-RU" dirty="0" smtClean="0">
+              <a:t>многопоточное программирование</a:t>
+            </a:r>
+          </a:p>
+          <a:p>
+            <a:pPr>
+              <a:buFont typeface="Calibri" panose="020F0502020204030204" pitchFamily="34" charset="0"/>
+              <a:buChar char="‐"/>
+            </a:pPr>
+            <a:r>
+              <a:rPr lang="ru-RU" dirty="0">
+                <a:solidFill>
+                  <a:srgbClr val="003399"/>
+                </a:solidFill>
+              </a:rPr>
+              <a:t>системы сборки проектов</a:t>
+            </a:r>
+          </a:p>
+          <a:p>
+            <a:pPr>
+              <a:buFont typeface="Calibri" panose="020F0502020204030204" pitchFamily="34" charset="0"/>
+              <a:buChar char="‐"/>
+            </a:pPr>
+            <a:r>
+              <a:rPr lang="ru-RU" dirty="0">
+                <a:solidFill>
+                  <a:srgbClr val="003399"/>
+                </a:solidFill>
+              </a:rPr>
+              <a:t>технология </a:t>
+            </a:r>
+            <a:r>
+              <a:rPr lang="en-US" dirty="0">
+                <a:solidFill>
+                  <a:srgbClr val="003399"/>
+                </a:solidFill>
+              </a:rPr>
+              <a:t>ORM</a:t>
+            </a:r>
+            <a:endParaRPr lang="ru-RU" dirty="0">
               <a:solidFill>
                 <a:srgbClr val="003399"/>
               </a:solidFill>
@@ -8811,64 +8645,10 @@
                   <a:srgbClr val="003399"/>
                 </a:solidFill>
               </a:rPr>
-              <a:t>с</a:t>
-            </a:r>
-            <a:r>
-              <a:rPr lang="ru-RU" dirty="0" smtClean="0">
-                <a:solidFill>
-                  <a:srgbClr val="003399"/>
-                </a:solidFill>
-              </a:rPr>
-              <a:t>истемы сборки проектов</a:t>
-            </a:r>
-            <a:endParaRPr lang="ru-RU" dirty="0" smtClean="0">
-              <a:solidFill>
-                <a:srgbClr val="003399"/>
-              </a:solidFill>
-            </a:endParaRPr>
-          </a:p>
-          <a:p>
-            <a:pPr>
-              <a:buFont typeface="Calibri" panose="020F0502020204030204" pitchFamily="34" charset="0"/>
-              <a:buChar char="‐"/>
-            </a:pPr>
-            <a:r>
-              <a:rPr lang="ru-RU" dirty="0" smtClean="0">
-                <a:solidFill>
-                  <a:srgbClr val="003399"/>
-                </a:solidFill>
-              </a:rPr>
-              <a:t>технология </a:t>
-            </a:r>
-            <a:r>
-              <a:rPr lang="en-US" dirty="0" smtClean="0">
-                <a:solidFill>
-                  <a:srgbClr val="003399"/>
-                </a:solidFill>
-              </a:rPr>
-              <a:t>ORM</a:t>
-            </a:r>
-            <a:endParaRPr lang="ru-RU" dirty="0" smtClean="0">
-              <a:solidFill>
-                <a:srgbClr val="003399"/>
-              </a:solidFill>
-            </a:endParaRPr>
-          </a:p>
-          <a:p>
-            <a:pPr>
-              <a:buFont typeface="Calibri" panose="020F0502020204030204" pitchFamily="34" charset="0"/>
-              <a:buChar char="‐"/>
-            </a:pPr>
-            <a:r>
-              <a:rPr lang="ru-RU" dirty="0" smtClean="0">
-                <a:solidFill>
-                  <a:srgbClr val="003399"/>
-                </a:solidFill>
-              </a:rPr>
               <a:t>фреймворк </a:t>
             </a:r>
             <a:r>
-              <a:rPr lang="en-US" dirty="0" smtClean="0">
+              <a:rPr lang="en-US" dirty="0">
                 <a:solidFill>
                   <a:srgbClr val="003399"/>
                 </a:solidFill>
@@ -8876,18 +8656,13 @@
               <a:t>Spring</a:t>
             </a:r>
             <a:r>
-              <a:rPr lang="ru-RU" dirty="0" smtClean="0">
+              <a:rPr lang="ru-RU" dirty="0">
                 <a:solidFill>
                   <a:srgbClr val="003399"/>
                 </a:solidFill>
               </a:rPr>
               <a:t> </a:t>
             </a:r>
-            <a:endParaRPr lang="ru-RU" dirty="0" smtClean="0">
-              <a:solidFill>
-                <a:srgbClr val="003399"/>
-              </a:solidFill>
-            </a:endParaRPr>
           </a:p>
         </p:txBody>
       </p:sp>
@@ -9082,7 +8857,7 @@
               <a:buNone/>
             </a:pPr>
             <a:r>
-              <a:rPr lang="ru-RU" smtClean="0">
+              <a:rPr lang="ru-RU">
                 <a:solidFill>
                   <a:srgbClr val="003399"/>
                 </a:solidFill>
@@ -9090,14 +8865,14 @@
               <a:t>Введение в </a:t>
             </a:r>
             <a:r>
-              <a:rPr lang="en-US" smtClean="0">
+              <a:rPr lang="en-US">
                 <a:solidFill>
                   <a:srgbClr val="003399"/>
                 </a:solidFill>
               </a:rPr>
               <a:t>Java</a:t>
             </a:r>
-            <a:endParaRPr lang="ru-RU" smtClean="0">
+            <a:endParaRPr lang="ru-RU">
               <a:solidFill>
                 <a:srgbClr val="003399"/>
               </a:solidFill>
@@ -9109,7 +8884,7 @@
               <a:buChar char="‐"/>
             </a:pPr>
             <a:r>
-              <a:rPr lang="ru-RU" smtClean="0">
+              <a:rPr lang="ru-RU">
                 <a:solidFill>
                   <a:srgbClr val="003399"/>
                 </a:solidFill>
@@ -9123,7 +8898,7 @@
               <a:buChar char="‐"/>
             </a:pPr>
             <a:r>
-              <a:rPr lang="ru-RU" smtClean="0">
+              <a:rPr lang="ru-RU">
                 <a:solidFill>
                   <a:srgbClr val="003399"/>
                 </a:solidFill>
@@ -9137,7 +8912,7 @@
               <a:buChar char="‐"/>
             </a:pPr>
             <a:r>
-              <a:rPr lang="ru-RU" smtClean="0">
+              <a:rPr lang="ru-RU">
                 <a:solidFill>
                   <a:srgbClr val="003399"/>
                 </a:solidFill>
@@ -9162,21 +8937,6 @@
   <p:clrMapOvr>
     <a:masterClrMapping/>
   </p:clrMapOvr>
-  <mc:AlternateContent xmlns:mc="http://schemas.openxmlformats.org/markup-compatibility/2006">
-    <mc:Choice xmlns:p14="http://schemas.microsoft.com/office/powerpoint/2010/main" Requires="p14">
-      <p:transition p14:dur="0"/>
-    </mc:Choice>
-    <mc:Fallback>
-      <p:transition/>
-    </mc:Fallback>
-  </mc:AlternateContent>
-  <p:timing>
-    <p:tnLst>
-      <p:par>
-        <p:cTn id="1" dur="indefinite" restart="never" nodeType="tmRoot"/>
-      </p:par>
-    </p:tnLst>
-  </p:timing>
 </p:sld>
 </file>
 
@@ -9213,18 +8973,13 @@
           <a:lstStyle/>
           <a:p>
             <a:r>
-              <a:rPr lang="ru-RU" dirty="0" smtClean="0">
+              <a:rPr lang="ru-RU" dirty="0">
                 <a:solidFill>
                   <a:srgbClr val="003399"/>
                 </a:solidFill>
               </a:rPr>
               <a:t>Обратимся к истории</a:t>
             </a:r>
-            <a:endParaRPr lang="ru-RU" dirty="0">
-              <a:solidFill>
-                <a:srgbClr val="003399"/>
-              </a:solidFill>
-            </a:endParaRPr>
           </a:p>
         </p:txBody>
       </p:sp>
@@ -9238,21 +8993,6 @@
   <p:clrMapOvr>
     <a:masterClrMapping/>
   </p:clrMapOvr>
-  <mc:AlternateContent xmlns:mc="http://schemas.openxmlformats.org/markup-compatibility/2006">
-    <mc:Choice xmlns:p14="http://schemas.microsoft.com/office/powerpoint/2010/main" Requires="p14">
-      <p:transition p14:dur="0"/>
-    </mc:Choice>
-    <mc:Fallback>
-      <p:transition/>
-    </mc:Fallback>
-  </mc:AlternateContent>
-  <p:timing>
-    <p:tnLst>
-      <p:par>
-        <p:cTn id="1" dur="indefinite" restart="never" nodeType="tmRoot"/>
-      </p:par>
-    </p:tnLst>
-  </p:timing>
 </p:sld>
 </file>
 
@@ -9296,7 +9036,7 @@
           <a:lstStyle/>
           <a:p>
             <a:r>
-              <a:rPr lang="ru-RU" sz="3200" dirty="0" smtClean="0">
+              <a:rPr lang="ru-RU" sz="3200" dirty="0">
                 <a:solidFill>
                   <a:srgbClr val="003399"/>
                 </a:solidFill>
@@ -9304,12 +9044,6 @@
               </a:rPr>
               <a:t>Перфокарты</a:t>
             </a:r>
-            <a:endParaRPr lang="ru-RU" sz="3200" dirty="0">
-              <a:solidFill>
-                <a:srgbClr val="003399"/>
-              </a:solidFill>
-              <a:latin typeface="+mj-lt"/>
-            </a:endParaRPr>
           </a:p>
         </p:txBody>
       </p:sp>
@@ -9448,22 +9182,21 @@
                   <a:t>@#%* </a:t>
                 </a:r>
                 <a:r>
-                  <a:rPr lang="ru-RU" dirty="0" smtClean="0"/>
+                  <a:rPr lang="ru-RU" dirty="0"/>
                   <a:t>из-за </a:t>
                 </a:r>
               </a:p>
               <a:p>
                 <a:r>
-                  <a:rPr lang="ru-RU" dirty="0" smtClean="0"/>
+                  <a:rPr lang="ru-RU" dirty="0"/>
                   <a:t>одного бага я опять </a:t>
                 </a:r>
               </a:p>
               <a:p>
                 <a:r>
-                  <a:rPr lang="ru-RU" dirty="0" smtClean="0"/>
+                  <a:rPr lang="ru-RU" dirty="0"/>
                   <a:t>должен рубить бревно?!</a:t>
                 </a:r>
-                <a:endParaRPr lang="ru-RU" dirty="0"/>
               </a:p>
             </p:txBody>
           </p:sp>
@@ -9479,21 +9212,6 @@
   <p:clrMapOvr>
     <a:masterClrMapping/>
   </p:clrMapOvr>
-  <mc:AlternateContent xmlns:mc="http://schemas.openxmlformats.org/markup-compatibility/2006">
-    <mc:Choice xmlns:p14="http://schemas.microsoft.com/office/powerpoint/2010/main" Requires="p14">
-      <p:transition p14:dur="0"/>
-    </mc:Choice>
-    <mc:Fallback>
-      <p:transition/>
-    </mc:Fallback>
-  </mc:AlternateContent>
-  <p:timing>
-    <p:tnLst>
-      <p:par>
-        <p:cTn id="1" dur="indefinite" restart="never" nodeType="tmRoot"/>
-      </p:par>
-    </p:tnLst>
-  </p:timing>
 </p:sld>
 </file>
 
@@ -9537,7 +9255,7 @@
           <a:lstStyle/>
           <a:p>
             <a:r>
-              <a:rPr lang="ru-RU" sz="3200" dirty="0" smtClean="0">
+              <a:rPr lang="ru-RU" sz="3200" dirty="0">
                 <a:solidFill>
                   <a:srgbClr val="003399"/>
                 </a:solidFill>
@@ -9548,38 +9266,23 @@
           </a:p>
           <a:p>
             <a:r>
-              <a:rPr lang="en-US" sz="3200" dirty="0" smtClean="0">
+              <a:rPr lang="en-US" sz="3200" dirty="0">
                 <a:solidFill>
                   <a:srgbClr val="003399"/>
                 </a:solidFill>
                 <a:latin typeface="+mj-lt"/>
               </a:rPr>
-              <a:t>FORTRAN</a:t>
-            </a:r>
-            <a:r>
-              <a:rPr lang="en-US" sz="3200" dirty="0">
+              <a:t>FORTRAN, BASIC, COBOL, Pascal, </a:t>
+            </a:r>
+            <a:r>
+              <a:rPr lang="ru-RU" sz="3200" dirty="0">
                 <a:solidFill>
                   <a:srgbClr val="003399"/>
                 </a:solidFill>
                 <a:latin typeface="+mj-lt"/>
               </a:rPr>
-              <a:t>, BASIC, COBOL, Pascal, </a:t>
-            </a:r>
-            <a:r>
-              <a:rPr lang="ru-RU" sz="3200" dirty="0">
-                <a:solidFill>
-                  <a:srgbClr val="003399"/>
-                </a:solidFill>
-                <a:latin typeface="+mj-lt"/>
-              </a:rPr>
               <a:t>Ассемблер и т.д. </a:t>
             </a:r>
-            <a:endParaRPr lang="ru-RU" sz="3200" dirty="0">
-              <a:solidFill>
-                <a:srgbClr val="003399"/>
-              </a:solidFill>
-              <a:latin typeface="+mj-lt"/>
-            </a:endParaRPr>
           </a:p>
         </p:txBody>
       </p:sp>
@@ -9714,26 +9417,25 @@
                   <a:t>Да какого </a:t>
                 </a:r>
                 <a:r>
-                  <a:rPr lang="en-US" dirty="0" smtClean="0"/>
+                  <a:rPr lang="en-US" dirty="0"/>
                   <a:t>@#%*</a:t>
                 </a:r>
                 <a:r>
-                  <a:rPr lang="ru-RU" dirty="0" smtClean="0"/>
+                  <a:rPr lang="ru-RU" dirty="0"/>
                   <a:t> я не могу </a:t>
                 </a:r>
               </a:p>
               <a:p>
                 <a:r>
-                  <a:rPr lang="ru-RU" dirty="0" smtClean="0"/>
+                  <a:rPr lang="ru-RU" dirty="0"/>
                   <a:t> на одном языке просто</a:t>
                 </a:r>
               </a:p>
               <a:p>
                 <a:r>
-                  <a:rPr lang="ru-RU" dirty="0" smtClean="0"/>
+                  <a:rPr lang="ru-RU" dirty="0"/>
                   <a:t>  написать все, что хочу?!</a:t>
                 </a:r>
-                <a:endParaRPr lang="ru-RU" dirty="0"/>
               </a:p>
             </p:txBody>
           </p:sp>
@@ -9749,21 +9451,6 @@
   <p:clrMapOvr>
     <a:masterClrMapping/>
   </p:clrMapOvr>
-  <mc:AlternateContent xmlns:mc="http://schemas.openxmlformats.org/markup-compatibility/2006">
-    <mc:Choice xmlns:p14="http://schemas.microsoft.com/office/powerpoint/2010/main" Requires="p14">
-      <p:transition p14:dur="0"/>
-    </mc:Choice>
-    <mc:Fallback>
-      <p:transition/>
-    </mc:Fallback>
-  </mc:AlternateContent>
-  <p:timing>
-    <p:tnLst>
-      <p:par>
-        <p:cTn id="1" dur="indefinite" restart="never" nodeType="tmRoot"/>
-      </p:par>
-    </p:tnLst>
-  </p:timing>
 </p:sld>
 </file>
 
@@ -9807,7 +9494,7 @@
           <a:lstStyle/>
           <a:p>
             <a:r>
-              <a:rPr lang="ru-RU" sz="3200" dirty="0" smtClean="0">
+              <a:rPr lang="ru-RU" sz="3200" dirty="0">
                 <a:solidFill>
                   <a:srgbClr val="003399"/>
                 </a:solidFill>
@@ -9815,12 +9502,6 @@
               </a:rPr>
               <a:t>Си</a:t>
             </a:r>
-            <a:endParaRPr lang="ru-RU" sz="3200" dirty="0">
-              <a:solidFill>
-                <a:srgbClr val="003399"/>
-              </a:solidFill>
-              <a:latin typeface="+mj-lt"/>
-            </a:endParaRPr>
           </a:p>
         </p:txBody>
       </p:sp>
@@ -9958,14 +9639,13 @@
                   <a:rPr lang="en-US" dirty="0"/>
                   <a:t>@#%* </a:t>
                 </a:r>
-                <a:endParaRPr lang="ru-RU" dirty="0" smtClean="0"/>
+                <a:endParaRPr lang="ru-RU" dirty="0"/>
               </a:p>
               <a:p>
                 <a:r>
-                  <a:rPr lang="ru-RU" dirty="0" smtClean="0"/>
+                  <a:rPr lang="ru-RU" dirty="0"/>
                   <a:t>   без ООП то?!</a:t>
                 </a:r>
-                <a:endParaRPr lang="ru-RU" dirty="0"/>
               </a:p>
             </p:txBody>
           </p:sp>
@@ -9981,21 +9661,6 @@
   <p:clrMapOvr>
     <a:masterClrMapping/>
   </p:clrMapOvr>
-  <mc:AlternateContent xmlns:mc="http://schemas.openxmlformats.org/markup-compatibility/2006">
-    <mc:Choice xmlns:p14="http://schemas.microsoft.com/office/powerpoint/2010/main" Requires="p14">
-      <p:transition p14:dur="0"/>
-    </mc:Choice>
-    <mc:Fallback>
-      <p:transition/>
-    </mc:Fallback>
-  </mc:AlternateContent>
-  <p:timing>
-    <p:tnLst>
-      <p:par>
-        <p:cTn id="1" dur="indefinite" restart="never" nodeType="tmRoot"/>
-      </p:par>
-    </p:tnLst>
-  </p:timing>
 </p:sld>
 </file>
 
